--- a/WhyCI_CD.pptx
+++ b/WhyCI_CD.pptx
@@ -8,6 +8,8 @@
     <p:sldId id="256" r:id="rId2"/>
     <p:sldId id="257" r:id="rId3"/>
     <p:sldId id="258" r:id="rId4"/>
+    <p:sldId id="259" r:id="rId5"/>
+    <p:sldId id="260" r:id="rId6"/>
   </p:sldIdLst>
   <p:sldSz cx="12192000" cy="6858000"/>
   <p:notesSz cx="6858000" cy="9144000"/>
@@ -112,6 +114,2793 @@
     </p:ext>
   </p:extLst>
 </p:presentation>
+</file>
+
+<file path=ppt/diagrams/colors1.xml><?xml version="1.0" encoding="utf-8"?>
+<dgm:colorsDef xmlns:dgm="http://schemas.openxmlformats.org/drawingml/2006/diagram" xmlns:a="http://schemas.openxmlformats.org/drawingml/2006/main" uniqueId="urn:microsoft.com/office/officeart/2018/5/colors/Iconchunking_neutralicontext_colorful1">
+  <dgm:title val=""/>
+  <dgm:desc val=""/>
+  <dgm:catLst>
+    <dgm:cat type="colorful" pri="10100"/>
+  </dgm:catLst>
+  <dgm:styleLbl name="node0">
+    <dgm:fillClrLst meth="repeat">
+      <a:schemeClr val="accent1"/>
+    </dgm:fillClrLst>
+    <dgm:linClrLst meth="repeat">
+      <a:schemeClr val="lt1"/>
+    </dgm:linClrLst>
+    <dgm:effectClrLst/>
+    <dgm:txLinClrLst/>
+    <dgm:txFillClrLst/>
+    <dgm:txEffectClrLst/>
+  </dgm:styleLbl>
+  <dgm:styleLbl name="node1">
+    <dgm:fillClrLst meth="repeat">
+      <a:schemeClr val="bg1"/>
+    </dgm:fillClrLst>
+    <dgm:linClrLst meth="repeat">
+      <a:schemeClr val="lt1">
+        <a:alpha val="0"/>
+      </a:schemeClr>
+    </dgm:linClrLst>
+    <dgm:effectClrLst/>
+    <dgm:txLinClrLst/>
+    <dgm:txFillClrLst meth="repeat">
+      <a:schemeClr val="dk1"/>
+    </dgm:txFillClrLst>
+    <dgm:txEffectClrLst/>
+  </dgm:styleLbl>
+  <dgm:styleLbl name="alignNode1">
+    <dgm:fillClrLst meth="repeat">
+      <a:schemeClr val="accent2"/>
+      <a:schemeClr val="accent3"/>
+      <a:schemeClr val="accent4"/>
+      <a:schemeClr val="accent5"/>
+      <a:schemeClr val="accent6"/>
+    </dgm:fillClrLst>
+    <dgm:linClrLst meth="repeat">
+      <a:schemeClr val="accent2"/>
+      <a:schemeClr val="accent3"/>
+      <a:schemeClr val="accent4"/>
+      <a:schemeClr val="accent5"/>
+      <a:schemeClr val="accent6"/>
+    </dgm:linClrLst>
+    <dgm:effectClrLst/>
+    <dgm:txLinClrLst/>
+    <dgm:txFillClrLst/>
+    <dgm:txEffectClrLst/>
+  </dgm:styleLbl>
+  <dgm:styleLbl name="lnNode1">
+    <dgm:fillClrLst meth="repeat">
+      <a:schemeClr val="accent2"/>
+      <a:schemeClr val="accent3"/>
+      <a:schemeClr val="accent4"/>
+      <a:schemeClr val="accent5"/>
+      <a:schemeClr val="accent6"/>
+    </dgm:fillClrLst>
+    <dgm:linClrLst meth="repeat">
+      <a:schemeClr val="lt1"/>
+    </dgm:linClrLst>
+    <dgm:effectClrLst/>
+    <dgm:txLinClrLst/>
+    <dgm:txFillClrLst/>
+    <dgm:txEffectClrLst/>
+  </dgm:styleLbl>
+  <dgm:styleLbl name="vennNode1">
+    <dgm:fillClrLst meth="repeat">
+      <a:schemeClr val="accent2">
+        <a:alpha val="50000"/>
+      </a:schemeClr>
+      <a:schemeClr val="accent3">
+        <a:alpha val="50000"/>
+      </a:schemeClr>
+      <a:schemeClr val="accent4">
+        <a:alpha val="50000"/>
+      </a:schemeClr>
+      <a:schemeClr val="accent5">
+        <a:alpha val="50000"/>
+      </a:schemeClr>
+      <a:schemeClr val="accent6">
+        <a:alpha val="50000"/>
+      </a:schemeClr>
+    </dgm:fillClrLst>
+    <dgm:linClrLst meth="repeat">
+      <a:schemeClr val="lt1"/>
+    </dgm:linClrLst>
+    <dgm:effectClrLst/>
+    <dgm:txLinClrLst/>
+    <dgm:txFillClrLst/>
+    <dgm:txEffectClrLst/>
+  </dgm:styleLbl>
+  <dgm:styleLbl name="node2">
+    <dgm:fillClrLst>
+      <a:schemeClr val="accent2"/>
+    </dgm:fillClrLst>
+    <dgm:linClrLst meth="repeat">
+      <a:schemeClr val="lt1"/>
+    </dgm:linClrLst>
+    <dgm:effectClrLst/>
+    <dgm:txLinClrLst/>
+    <dgm:txFillClrLst/>
+    <dgm:txEffectClrLst/>
+  </dgm:styleLbl>
+  <dgm:styleLbl name="node3">
+    <dgm:fillClrLst>
+      <a:schemeClr val="accent3"/>
+    </dgm:fillClrLst>
+    <dgm:linClrLst meth="repeat">
+      <a:schemeClr val="lt1"/>
+    </dgm:linClrLst>
+    <dgm:effectClrLst/>
+    <dgm:txLinClrLst/>
+    <dgm:txFillClrLst/>
+    <dgm:txEffectClrLst/>
+  </dgm:styleLbl>
+  <dgm:styleLbl name="node4">
+    <dgm:fillClrLst>
+      <a:schemeClr val="accent4"/>
+    </dgm:fillClrLst>
+    <dgm:linClrLst meth="repeat">
+      <a:schemeClr val="lt1"/>
+    </dgm:linClrLst>
+    <dgm:effectClrLst/>
+    <dgm:txLinClrLst/>
+    <dgm:txFillClrLst/>
+    <dgm:txEffectClrLst/>
+  </dgm:styleLbl>
+  <dgm:styleLbl name="fgImgPlace1">
+    <dgm:fillClrLst meth="repeat">
+      <a:schemeClr val="accent2">
+        <a:tint val="50000"/>
+      </a:schemeClr>
+      <a:schemeClr val="accent3">
+        <a:tint val="50000"/>
+      </a:schemeClr>
+      <a:schemeClr val="accent4">
+        <a:tint val="50000"/>
+      </a:schemeClr>
+      <a:schemeClr val="accent5">
+        <a:tint val="50000"/>
+      </a:schemeClr>
+      <a:schemeClr val="accent6">
+        <a:tint val="50000"/>
+      </a:schemeClr>
+    </dgm:fillClrLst>
+    <dgm:linClrLst meth="repeat">
+      <a:schemeClr val="lt1"/>
+    </dgm:linClrLst>
+    <dgm:effectClrLst/>
+    <dgm:txLinClrLst/>
+    <dgm:txFillClrLst meth="repeat">
+      <a:schemeClr val="lt1"/>
+    </dgm:txFillClrLst>
+    <dgm:txEffectClrLst/>
+  </dgm:styleLbl>
+  <dgm:styleLbl name="alignImgPlace1">
+    <dgm:fillClrLst>
+      <a:schemeClr val="accent1">
+        <a:tint val="50000"/>
+      </a:schemeClr>
+      <a:schemeClr val="accent2">
+        <a:tint val="20000"/>
+      </a:schemeClr>
+    </dgm:fillClrLst>
+    <dgm:linClrLst meth="repeat">
+      <a:schemeClr val="lt1"/>
+    </dgm:linClrLst>
+    <dgm:effectClrLst/>
+    <dgm:txLinClrLst/>
+    <dgm:txFillClrLst meth="repeat">
+      <a:schemeClr val="lt1"/>
+    </dgm:txFillClrLst>
+    <dgm:txEffectClrLst/>
+  </dgm:styleLbl>
+  <dgm:styleLbl name="bgImgPlace1">
+    <dgm:fillClrLst>
+      <a:schemeClr val="accent1">
+        <a:tint val="50000"/>
+      </a:schemeClr>
+      <a:schemeClr val="accent2">
+        <a:tint val="20000"/>
+      </a:schemeClr>
+    </dgm:fillClrLst>
+    <dgm:linClrLst meth="repeat">
+      <a:schemeClr val="lt1"/>
+    </dgm:linClrLst>
+    <dgm:effectClrLst/>
+    <dgm:txLinClrLst/>
+    <dgm:txFillClrLst meth="repeat">
+      <a:schemeClr val="lt1"/>
+    </dgm:txFillClrLst>
+    <dgm:txEffectClrLst/>
+  </dgm:styleLbl>
+  <dgm:styleLbl name="sibTrans2D1">
+    <dgm:fillClrLst meth="repeat">
+      <a:schemeClr val="accent2"/>
+      <a:schemeClr val="accent3"/>
+      <a:schemeClr val="accent4"/>
+      <a:schemeClr val="accent5"/>
+      <a:schemeClr val="accent6"/>
+    </dgm:fillClrLst>
+    <dgm:linClrLst meth="cycle">
+      <a:schemeClr val="lt1"/>
+    </dgm:linClrLst>
+    <dgm:effectClrLst/>
+    <dgm:txLinClrLst/>
+    <dgm:txFillClrLst/>
+    <dgm:txEffectClrLst/>
+  </dgm:styleLbl>
+  <dgm:styleLbl name="fgSibTrans2D1">
+    <dgm:fillClrLst meth="repeat">
+      <a:schemeClr val="accent2"/>
+      <a:schemeClr val="accent3"/>
+      <a:schemeClr val="accent4"/>
+      <a:schemeClr val="accent5"/>
+      <a:schemeClr val="accent6"/>
+    </dgm:fillClrLst>
+    <dgm:linClrLst meth="cycle">
+      <a:schemeClr val="lt1"/>
+    </dgm:linClrLst>
+    <dgm:effectClrLst/>
+    <dgm:txLinClrLst/>
+    <dgm:txFillClrLst meth="repeat">
+      <a:schemeClr val="lt1"/>
+    </dgm:txFillClrLst>
+    <dgm:txEffectClrLst/>
+  </dgm:styleLbl>
+  <dgm:styleLbl name="bgSibTrans2D1">
+    <dgm:fillClrLst meth="repeat">
+      <a:schemeClr val="accent2"/>
+      <a:schemeClr val="accent3"/>
+      <a:schemeClr val="accent4"/>
+      <a:schemeClr val="accent5"/>
+      <a:schemeClr val="accent6"/>
+    </dgm:fillClrLst>
+    <dgm:linClrLst meth="cycle">
+      <a:schemeClr val="lt1"/>
+    </dgm:linClrLst>
+    <dgm:effectClrLst/>
+    <dgm:txLinClrLst/>
+    <dgm:txFillClrLst meth="repeat">
+      <a:schemeClr val="lt1"/>
+    </dgm:txFillClrLst>
+    <dgm:txEffectClrLst/>
+  </dgm:styleLbl>
+  <dgm:styleLbl name="sibTrans1D1">
+    <dgm:fillClrLst meth="repeat">
+      <a:schemeClr val="accent2"/>
+      <a:schemeClr val="accent3"/>
+      <a:schemeClr val="accent4"/>
+      <a:schemeClr val="accent5"/>
+      <a:schemeClr val="accent6"/>
+    </dgm:fillClrLst>
+    <dgm:linClrLst meth="repeat">
+      <a:schemeClr val="accent2"/>
+      <a:schemeClr val="accent3"/>
+      <a:schemeClr val="accent4"/>
+      <a:schemeClr val="accent5"/>
+      <a:schemeClr val="accent6"/>
+    </dgm:linClrLst>
+    <dgm:effectClrLst/>
+    <dgm:txLinClrLst/>
+    <dgm:txFillClrLst meth="repeat">
+      <a:schemeClr val="tx1"/>
+    </dgm:txFillClrLst>
+    <dgm:txEffectClrLst/>
+  </dgm:styleLbl>
+  <dgm:styleLbl name="callout">
+    <dgm:fillClrLst meth="repeat">
+      <a:schemeClr val="accent2"/>
+    </dgm:fillClrLst>
+    <dgm:linClrLst meth="repeat">
+      <a:schemeClr val="accent2">
+        <a:tint val="50000"/>
+      </a:schemeClr>
+    </dgm:linClrLst>
+    <dgm:effectClrLst/>
+    <dgm:txLinClrLst/>
+    <dgm:txFillClrLst meth="repeat">
+      <a:schemeClr val="tx1"/>
+    </dgm:txFillClrLst>
+    <dgm:txEffectClrLst/>
+  </dgm:styleLbl>
+  <dgm:styleLbl name="asst0">
+    <dgm:fillClrLst meth="repeat">
+      <a:schemeClr val="accent1"/>
+    </dgm:fillClrLst>
+    <dgm:linClrLst meth="repeat">
+      <a:schemeClr val="lt1"/>
+    </dgm:linClrLst>
+    <dgm:effectClrLst/>
+    <dgm:txLinClrLst/>
+    <dgm:txFillClrLst/>
+    <dgm:txEffectClrLst/>
+  </dgm:styleLbl>
+  <dgm:styleLbl name="asst1">
+    <dgm:fillClrLst meth="repeat">
+      <a:schemeClr val="accent2"/>
+    </dgm:fillClrLst>
+    <dgm:linClrLst meth="repeat">
+      <a:schemeClr val="lt1"/>
+    </dgm:linClrLst>
+    <dgm:effectClrLst/>
+    <dgm:txLinClrLst/>
+    <dgm:txFillClrLst/>
+    <dgm:txEffectClrLst/>
+  </dgm:styleLbl>
+  <dgm:styleLbl name="asst2">
+    <dgm:fillClrLst>
+      <a:schemeClr val="accent3"/>
+    </dgm:fillClrLst>
+    <dgm:linClrLst meth="repeat">
+      <a:schemeClr val="lt1"/>
+    </dgm:linClrLst>
+    <dgm:effectClrLst/>
+    <dgm:txLinClrLst/>
+    <dgm:txFillClrLst/>
+    <dgm:txEffectClrLst/>
+  </dgm:styleLbl>
+  <dgm:styleLbl name="asst3">
+    <dgm:fillClrLst>
+      <a:schemeClr val="accent4"/>
+    </dgm:fillClrLst>
+    <dgm:linClrLst meth="repeat">
+      <a:schemeClr val="lt1"/>
+    </dgm:linClrLst>
+    <dgm:effectClrLst/>
+    <dgm:txLinClrLst/>
+    <dgm:txFillClrLst/>
+    <dgm:txEffectClrLst/>
+  </dgm:styleLbl>
+  <dgm:styleLbl name="asst4">
+    <dgm:fillClrLst>
+      <a:schemeClr val="accent5"/>
+    </dgm:fillClrLst>
+    <dgm:linClrLst meth="repeat">
+      <a:schemeClr val="lt1"/>
+    </dgm:linClrLst>
+    <dgm:effectClrLst/>
+    <dgm:txLinClrLst/>
+    <dgm:txFillClrLst/>
+    <dgm:txEffectClrLst/>
+  </dgm:styleLbl>
+  <dgm:styleLbl name="parChTrans2D1">
+    <dgm:fillClrLst meth="repeat">
+      <a:schemeClr val="accent2"/>
+    </dgm:fillClrLst>
+    <dgm:linClrLst meth="repeat">
+      <a:schemeClr val="lt1"/>
+    </dgm:linClrLst>
+    <dgm:effectClrLst/>
+    <dgm:txLinClrLst/>
+    <dgm:txFillClrLst meth="repeat">
+      <a:schemeClr val="lt1"/>
+    </dgm:txFillClrLst>
+    <dgm:txEffectClrLst/>
+  </dgm:styleLbl>
+  <dgm:styleLbl name="parChTrans2D2">
+    <dgm:fillClrLst meth="repeat">
+      <a:schemeClr val="accent3"/>
+    </dgm:fillClrLst>
+    <dgm:linClrLst meth="repeat">
+      <a:schemeClr val="lt1"/>
+    </dgm:linClrLst>
+    <dgm:effectClrLst/>
+    <dgm:txLinClrLst/>
+    <dgm:txFillClrLst/>
+    <dgm:txEffectClrLst/>
+  </dgm:styleLbl>
+  <dgm:styleLbl name="parChTrans2D3">
+    <dgm:fillClrLst meth="repeat">
+      <a:schemeClr val="accent4"/>
+    </dgm:fillClrLst>
+    <dgm:linClrLst meth="repeat">
+      <a:schemeClr val="lt1"/>
+    </dgm:linClrLst>
+    <dgm:effectClrLst/>
+    <dgm:txLinClrLst/>
+    <dgm:txFillClrLst/>
+    <dgm:txEffectClrLst/>
+  </dgm:styleLbl>
+  <dgm:styleLbl name="parChTrans2D4">
+    <dgm:fillClrLst meth="repeat">
+      <a:schemeClr val="accent5"/>
+    </dgm:fillClrLst>
+    <dgm:linClrLst meth="repeat">
+      <a:schemeClr val="lt1"/>
+    </dgm:linClrLst>
+    <dgm:effectClrLst/>
+    <dgm:txLinClrLst/>
+    <dgm:txFillClrLst meth="repeat">
+      <a:schemeClr val="lt1"/>
+    </dgm:txFillClrLst>
+    <dgm:txEffectClrLst/>
+  </dgm:styleLbl>
+  <dgm:styleLbl name="parChTrans1D1">
+    <dgm:fillClrLst meth="repeat">
+      <a:schemeClr val="accent2"/>
+    </dgm:fillClrLst>
+    <dgm:linClrLst meth="repeat">
+      <a:schemeClr val="accent1"/>
+    </dgm:linClrLst>
+    <dgm:effectClrLst/>
+    <dgm:txLinClrLst/>
+    <dgm:txFillClrLst meth="repeat">
+      <a:schemeClr val="tx1"/>
+    </dgm:txFillClrLst>
+    <dgm:txEffectClrLst/>
+  </dgm:styleLbl>
+  <dgm:styleLbl name="parChTrans1D2">
+    <dgm:fillClrLst meth="repeat">
+      <a:schemeClr val="accent3">
+        <a:tint val="90000"/>
+      </a:schemeClr>
+    </dgm:fillClrLst>
+    <dgm:linClrLst meth="repeat">
+      <a:schemeClr val="accent2"/>
+    </dgm:linClrLst>
+    <dgm:effectClrLst/>
+    <dgm:txLinClrLst/>
+    <dgm:txFillClrLst meth="repeat">
+      <a:schemeClr val="tx1"/>
+    </dgm:txFillClrLst>
+    <dgm:txEffectClrLst/>
+  </dgm:styleLbl>
+  <dgm:styleLbl name="parChTrans1D3">
+    <dgm:fillClrLst meth="repeat">
+      <a:schemeClr val="accent4">
+        <a:tint val="70000"/>
+      </a:schemeClr>
+    </dgm:fillClrLst>
+    <dgm:linClrLst meth="repeat">
+      <a:schemeClr val="accent3"/>
+    </dgm:linClrLst>
+    <dgm:effectClrLst/>
+    <dgm:txLinClrLst/>
+    <dgm:txFillClrLst meth="repeat">
+      <a:schemeClr val="tx1"/>
+    </dgm:txFillClrLst>
+    <dgm:txEffectClrLst/>
+  </dgm:styleLbl>
+  <dgm:styleLbl name="parChTrans1D4">
+    <dgm:fillClrLst meth="repeat">
+      <a:schemeClr val="accent5">
+        <a:tint val="50000"/>
+      </a:schemeClr>
+    </dgm:fillClrLst>
+    <dgm:linClrLst meth="repeat">
+      <a:schemeClr val="accent4"/>
+    </dgm:linClrLst>
+    <dgm:effectClrLst/>
+    <dgm:txLinClrLst/>
+    <dgm:txFillClrLst meth="repeat">
+      <a:schemeClr val="tx1"/>
+    </dgm:txFillClrLst>
+    <dgm:txEffectClrLst/>
+  </dgm:styleLbl>
+  <dgm:styleLbl name="fgAcc1">
+    <dgm:fillClrLst meth="repeat">
+      <a:schemeClr val="lt1">
+        <a:alpha val="90000"/>
+      </a:schemeClr>
+    </dgm:fillClrLst>
+    <dgm:linClrLst meth="repeat">
+      <a:schemeClr val="accent2"/>
+      <a:schemeClr val="accent3"/>
+      <a:schemeClr val="accent4"/>
+      <a:schemeClr val="accent5"/>
+      <a:schemeClr val="accent6"/>
+    </dgm:linClrLst>
+    <dgm:effectClrLst/>
+    <dgm:txLinClrLst/>
+    <dgm:txFillClrLst meth="repeat">
+      <a:schemeClr val="dk1"/>
+    </dgm:txFillClrLst>
+    <dgm:txEffectClrLst/>
+  </dgm:styleLbl>
+  <dgm:styleLbl name="conFgAcc1">
+    <dgm:fillClrLst meth="repeat">
+      <a:schemeClr val="lt1">
+        <a:alpha val="90000"/>
+      </a:schemeClr>
+    </dgm:fillClrLst>
+    <dgm:linClrLst meth="repeat">
+      <a:schemeClr val="accent2"/>
+      <a:schemeClr val="accent3"/>
+      <a:schemeClr val="accent4"/>
+      <a:schemeClr val="accent5"/>
+      <a:schemeClr val="accent6"/>
+    </dgm:linClrLst>
+    <dgm:effectClrLst/>
+    <dgm:txLinClrLst/>
+    <dgm:txFillClrLst meth="repeat">
+      <a:schemeClr val="dk1"/>
+    </dgm:txFillClrLst>
+    <dgm:txEffectClrLst/>
+  </dgm:styleLbl>
+  <dgm:styleLbl name="alignAcc1">
+    <dgm:fillClrLst meth="repeat">
+      <a:schemeClr val="lt1">
+        <a:alpha val="90000"/>
+      </a:schemeClr>
+    </dgm:fillClrLst>
+    <dgm:linClrLst meth="repeat">
+      <a:schemeClr val="accent2"/>
+      <a:schemeClr val="accent3"/>
+      <a:schemeClr val="accent4"/>
+      <a:schemeClr val="accent5"/>
+      <a:schemeClr val="accent6"/>
+    </dgm:linClrLst>
+    <dgm:effectClrLst/>
+    <dgm:txLinClrLst/>
+    <dgm:txFillClrLst meth="repeat">
+      <a:schemeClr val="dk1"/>
+    </dgm:txFillClrLst>
+    <dgm:txEffectClrLst/>
+  </dgm:styleLbl>
+  <dgm:styleLbl name="trAlignAcc1">
+    <dgm:fillClrLst meth="repeat">
+      <a:schemeClr val="lt1">
+        <a:alpha val="40000"/>
+      </a:schemeClr>
+    </dgm:fillClrLst>
+    <dgm:linClrLst meth="repeat">
+      <a:schemeClr val="accent1"/>
+    </dgm:linClrLst>
+    <dgm:effectClrLst/>
+    <dgm:txLinClrLst/>
+    <dgm:txFillClrLst meth="repeat">
+      <a:schemeClr val="dk1"/>
+    </dgm:txFillClrLst>
+    <dgm:txEffectClrLst/>
+  </dgm:styleLbl>
+  <dgm:styleLbl name="bgAcc1">
+    <dgm:fillClrLst meth="repeat">
+      <a:schemeClr val="lt1">
+        <a:alpha val="90000"/>
+      </a:schemeClr>
+    </dgm:fillClrLst>
+    <dgm:linClrLst meth="repeat">
+      <a:schemeClr val="accent2"/>
+      <a:schemeClr val="accent3"/>
+      <a:schemeClr val="accent4"/>
+      <a:schemeClr val="accent5"/>
+      <a:schemeClr val="accent6"/>
+    </dgm:linClrLst>
+    <dgm:effectClrLst/>
+    <dgm:txLinClrLst/>
+    <dgm:txFillClrLst meth="repeat">
+      <a:schemeClr val="dk1"/>
+    </dgm:txFillClrLst>
+    <dgm:txEffectClrLst/>
+  </dgm:styleLbl>
+  <dgm:styleLbl name="solidFgAcc1">
+    <dgm:fillClrLst meth="repeat">
+      <a:schemeClr val="lt1"/>
+    </dgm:fillClrLst>
+    <dgm:linClrLst meth="repeat">
+      <a:schemeClr val="accent2"/>
+      <a:schemeClr val="accent3"/>
+      <a:schemeClr val="accent4"/>
+      <a:schemeClr val="accent5"/>
+      <a:schemeClr val="accent6"/>
+    </dgm:linClrLst>
+    <dgm:effectClrLst/>
+    <dgm:txLinClrLst/>
+    <dgm:txFillClrLst meth="repeat">
+      <a:schemeClr val="dk1"/>
+    </dgm:txFillClrLst>
+    <dgm:txEffectClrLst/>
+  </dgm:styleLbl>
+  <dgm:styleLbl name="solidAlignAcc1">
+    <dgm:fillClrLst meth="repeat">
+      <a:schemeClr val="lt1"/>
+    </dgm:fillClrLst>
+    <dgm:linClrLst meth="repeat">
+      <a:schemeClr val="accent2"/>
+      <a:schemeClr val="accent3"/>
+      <a:schemeClr val="accent4"/>
+      <a:schemeClr val="accent5"/>
+      <a:schemeClr val="accent6"/>
+    </dgm:linClrLst>
+    <dgm:effectClrLst/>
+    <dgm:txLinClrLst/>
+    <dgm:txFillClrLst meth="repeat">
+      <a:schemeClr val="dk1"/>
+    </dgm:txFillClrLst>
+    <dgm:txEffectClrLst/>
+  </dgm:styleLbl>
+  <dgm:styleLbl name="solidBgAcc1">
+    <dgm:fillClrLst meth="repeat">
+      <a:schemeClr val="lt1"/>
+    </dgm:fillClrLst>
+    <dgm:linClrLst meth="repeat">
+      <a:schemeClr val="accent2"/>
+      <a:schemeClr val="accent3"/>
+      <a:schemeClr val="accent4"/>
+      <a:schemeClr val="accent5"/>
+      <a:schemeClr val="accent6"/>
+    </dgm:linClrLst>
+    <dgm:effectClrLst/>
+    <dgm:txLinClrLst/>
+    <dgm:txFillClrLst meth="repeat">
+      <a:schemeClr val="dk1"/>
+    </dgm:txFillClrLst>
+    <dgm:txEffectClrLst/>
+  </dgm:styleLbl>
+  <dgm:styleLbl name="fgAccFollowNode1">
+    <dgm:fillClrLst meth="repeat">
+      <a:schemeClr val="accent2">
+        <a:tint val="40000"/>
+        <a:alpha val="90000"/>
+      </a:schemeClr>
+      <a:schemeClr val="accent3">
+        <a:tint val="40000"/>
+        <a:alpha val="90000"/>
+      </a:schemeClr>
+      <a:schemeClr val="accent4">
+        <a:tint val="40000"/>
+        <a:alpha val="90000"/>
+      </a:schemeClr>
+      <a:schemeClr val="accent5">
+        <a:tint val="40000"/>
+        <a:alpha val="90000"/>
+      </a:schemeClr>
+      <a:schemeClr val="accent6">
+        <a:tint val="40000"/>
+        <a:alpha val="90000"/>
+      </a:schemeClr>
+    </dgm:fillClrLst>
+    <dgm:linClrLst meth="repeat">
+      <a:schemeClr val="accent2">
+        <a:tint val="40000"/>
+        <a:alpha val="90000"/>
+      </a:schemeClr>
+      <a:schemeClr val="accent3">
+        <a:tint val="40000"/>
+        <a:alpha val="90000"/>
+      </a:schemeClr>
+      <a:schemeClr val="accent4">
+        <a:tint val="40000"/>
+        <a:alpha val="90000"/>
+      </a:schemeClr>
+      <a:schemeClr val="accent5">
+        <a:tint val="40000"/>
+        <a:alpha val="90000"/>
+      </a:schemeClr>
+      <a:schemeClr val="accent6">
+        <a:tint val="40000"/>
+        <a:alpha val="90000"/>
+      </a:schemeClr>
+    </dgm:linClrLst>
+    <dgm:effectClrLst/>
+    <dgm:txLinClrLst/>
+    <dgm:txFillClrLst meth="repeat">
+      <a:schemeClr val="dk1"/>
+    </dgm:txFillClrLst>
+    <dgm:txEffectClrLst/>
+  </dgm:styleLbl>
+  <dgm:styleLbl name="alignAccFollowNode1">
+    <dgm:fillClrLst meth="repeat">
+      <a:schemeClr val="accent2">
+        <a:tint val="40000"/>
+        <a:alpha val="90000"/>
+      </a:schemeClr>
+      <a:schemeClr val="accent3">
+        <a:tint val="40000"/>
+        <a:alpha val="90000"/>
+      </a:schemeClr>
+      <a:schemeClr val="accent4">
+        <a:tint val="40000"/>
+        <a:alpha val="90000"/>
+      </a:schemeClr>
+      <a:schemeClr val="accent5">
+        <a:tint val="40000"/>
+        <a:alpha val="90000"/>
+      </a:schemeClr>
+      <a:schemeClr val="accent6">
+        <a:tint val="40000"/>
+        <a:alpha val="90000"/>
+      </a:schemeClr>
+    </dgm:fillClrLst>
+    <dgm:linClrLst meth="repeat">
+      <a:schemeClr val="accent2">
+        <a:tint val="40000"/>
+        <a:alpha val="90000"/>
+      </a:schemeClr>
+      <a:schemeClr val="accent3">
+        <a:tint val="40000"/>
+        <a:alpha val="90000"/>
+      </a:schemeClr>
+      <a:schemeClr val="accent4">
+        <a:tint val="40000"/>
+        <a:alpha val="90000"/>
+      </a:schemeClr>
+      <a:schemeClr val="accent5">
+        <a:tint val="40000"/>
+        <a:alpha val="90000"/>
+      </a:schemeClr>
+      <a:schemeClr val="accent6">
+        <a:tint val="40000"/>
+        <a:alpha val="90000"/>
+      </a:schemeClr>
+    </dgm:linClrLst>
+    <dgm:effectClrLst/>
+    <dgm:txLinClrLst/>
+    <dgm:txFillClrLst meth="repeat">
+      <a:schemeClr val="dk1"/>
+    </dgm:txFillClrLst>
+    <dgm:txEffectClrLst/>
+  </dgm:styleLbl>
+  <dgm:styleLbl name="bgAccFollowNode1">
+    <dgm:fillClrLst meth="repeat">
+      <a:schemeClr val="accent2">
+        <a:tint val="40000"/>
+        <a:alpha val="90000"/>
+      </a:schemeClr>
+      <a:schemeClr val="accent3">
+        <a:tint val="40000"/>
+        <a:alpha val="90000"/>
+      </a:schemeClr>
+      <a:schemeClr val="accent4">
+        <a:tint val="40000"/>
+        <a:alpha val="90000"/>
+      </a:schemeClr>
+      <a:schemeClr val="accent5">
+        <a:tint val="40000"/>
+        <a:alpha val="90000"/>
+      </a:schemeClr>
+      <a:schemeClr val="accent6">
+        <a:tint val="40000"/>
+        <a:alpha val="90000"/>
+      </a:schemeClr>
+    </dgm:fillClrLst>
+    <dgm:linClrLst meth="repeat">
+      <a:schemeClr val="accent2">
+        <a:tint val="40000"/>
+        <a:alpha val="90000"/>
+      </a:schemeClr>
+      <a:schemeClr val="accent3">
+        <a:tint val="40000"/>
+        <a:alpha val="90000"/>
+      </a:schemeClr>
+      <a:schemeClr val="accent4">
+        <a:tint val="40000"/>
+        <a:alpha val="90000"/>
+      </a:schemeClr>
+      <a:schemeClr val="accent5">
+        <a:tint val="40000"/>
+        <a:alpha val="90000"/>
+      </a:schemeClr>
+      <a:schemeClr val="accent6">
+        <a:tint val="40000"/>
+        <a:alpha val="90000"/>
+      </a:schemeClr>
+    </dgm:linClrLst>
+    <dgm:effectClrLst/>
+    <dgm:txLinClrLst/>
+    <dgm:txFillClrLst meth="repeat">
+      <a:schemeClr val="dk1"/>
+    </dgm:txFillClrLst>
+    <dgm:txEffectClrLst/>
+  </dgm:styleLbl>
+  <dgm:styleLbl name="fgAcc0">
+    <dgm:fillClrLst meth="repeat">
+      <a:schemeClr val="lt1">
+        <a:alpha val="90000"/>
+      </a:schemeClr>
+    </dgm:fillClrLst>
+    <dgm:linClrLst>
+      <a:schemeClr val="accent1"/>
+    </dgm:linClrLst>
+    <dgm:effectClrLst/>
+    <dgm:txLinClrLst/>
+    <dgm:txFillClrLst meth="repeat">
+      <a:schemeClr val="dk1"/>
+    </dgm:txFillClrLst>
+    <dgm:txEffectClrLst/>
+  </dgm:styleLbl>
+  <dgm:styleLbl name="fgAcc2">
+    <dgm:fillClrLst meth="repeat">
+      <a:schemeClr val="lt1">
+        <a:alpha val="90000"/>
+      </a:schemeClr>
+    </dgm:fillClrLst>
+    <dgm:linClrLst>
+      <a:schemeClr val="accent2"/>
+    </dgm:linClrLst>
+    <dgm:effectClrLst/>
+    <dgm:txLinClrLst/>
+    <dgm:txFillClrLst meth="repeat">
+      <a:schemeClr val="dk1"/>
+    </dgm:txFillClrLst>
+    <dgm:txEffectClrLst/>
+  </dgm:styleLbl>
+  <dgm:styleLbl name="fgAcc3">
+    <dgm:fillClrLst meth="repeat">
+      <a:schemeClr val="lt1">
+        <a:alpha val="90000"/>
+      </a:schemeClr>
+    </dgm:fillClrLst>
+    <dgm:linClrLst>
+      <a:schemeClr val="accent3"/>
+    </dgm:linClrLst>
+    <dgm:effectClrLst/>
+    <dgm:txLinClrLst/>
+    <dgm:txFillClrLst meth="repeat">
+      <a:schemeClr val="dk1"/>
+    </dgm:txFillClrLst>
+    <dgm:txEffectClrLst/>
+  </dgm:styleLbl>
+  <dgm:styleLbl name="fgAcc4">
+    <dgm:fillClrLst meth="repeat">
+      <a:schemeClr val="lt1">
+        <a:alpha val="90000"/>
+      </a:schemeClr>
+    </dgm:fillClrLst>
+    <dgm:linClrLst>
+      <a:schemeClr val="accent4"/>
+    </dgm:linClrLst>
+    <dgm:effectClrLst/>
+    <dgm:txLinClrLst/>
+    <dgm:txFillClrLst meth="repeat">
+      <a:schemeClr val="dk1"/>
+    </dgm:txFillClrLst>
+    <dgm:txEffectClrLst/>
+  </dgm:styleLbl>
+  <dgm:styleLbl name="bgShp">
+    <dgm:fillClrLst meth="repeat">
+      <a:schemeClr val="accent2"/>
+      <a:schemeClr val="accent3"/>
+      <a:schemeClr val="accent4"/>
+      <a:schemeClr val="accent5"/>
+      <a:schemeClr val="accent6"/>
+    </dgm:fillClrLst>
+    <dgm:linClrLst meth="repeat">
+      <a:schemeClr val="lt1">
+        <a:alpha val="0"/>
+      </a:schemeClr>
+    </dgm:linClrLst>
+    <dgm:effectClrLst/>
+    <dgm:txLinClrLst/>
+    <dgm:txFillClrLst/>
+    <dgm:txEffectClrLst/>
+  </dgm:styleLbl>
+  <dgm:styleLbl name="dkBgShp">
+    <dgm:fillClrLst meth="repeat">
+      <a:schemeClr val="accent2">
+        <a:shade val="90000"/>
+      </a:schemeClr>
+    </dgm:fillClrLst>
+    <dgm:linClrLst meth="repeat">
+      <a:schemeClr val="dk1"/>
+    </dgm:linClrLst>
+    <dgm:effectClrLst/>
+    <dgm:txLinClrLst/>
+    <dgm:txFillClrLst meth="repeat">
+      <a:schemeClr val="lt1"/>
+    </dgm:txFillClrLst>
+    <dgm:txEffectClrLst/>
+  </dgm:styleLbl>
+  <dgm:styleLbl name="trBgShp">
+    <dgm:fillClrLst meth="repeat">
+      <a:schemeClr val="accent1">
+        <a:tint val="50000"/>
+        <a:alpha val="40000"/>
+      </a:schemeClr>
+    </dgm:fillClrLst>
+    <dgm:linClrLst meth="repeat">
+      <a:schemeClr val="accent2"/>
+    </dgm:linClrLst>
+    <dgm:effectClrLst/>
+    <dgm:txLinClrLst/>
+    <dgm:txFillClrLst meth="repeat">
+      <a:schemeClr val="lt1"/>
+    </dgm:txFillClrLst>
+    <dgm:txEffectClrLst/>
+  </dgm:styleLbl>
+  <dgm:styleLbl name="fgShp">
+    <dgm:fillClrLst meth="repeat">
+      <a:schemeClr val="accent2">
+        <a:tint val="40000"/>
+      </a:schemeClr>
+    </dgm:fillClrLst>
+    <dgm:linClrLst meth="repeat">
+      <a:schemeClr val="lt1"/>
+    </dgm:linClrLst>
+    <dgm:effectClrLst/>
+    <dgm:txLinClrLst/>
+    <dgm:txFillClrLst meth="repeat">
+      <a:schemeClr val="dk1"/>
+    </dgm:txFillClrLst>
+    <dgm:txEffectClrLst/>
+  </dgm:styleLbl>
+  <dgm:styleLbl name="revTx">
+    <dgm:fillClrLst meth="repeat">
+      <a:schemeClr val="lt1">
+        <a:alpha val="0"/>
+      </a:schemeClr>
+    </dgm:fillClrLst>
+    <dgm:linClrLst meth="repeat">
+      <a:schemeClr val="dk1">
+        <a:alpha val="0"/>
+      </a:schemeClr>
+    </dgm:linClrLst>
+    <dgm:effectClrLst/>
+    <dgm:txLinClrLst/>
+    <dgm:txFillClrLst meth="repeat">
+      <a:schemeClr val="bg1"/>
+    </dgm:txFillClrLst>
+    <dgm:txEffectClrLst/>
+  </dgm:styleLbl>
+</dgm:colorsDef>
+</file>
+
+<file path=ppt/diagrams/data1.xml><?xml version="1.0" encoding="utf-8"?>
+<dgm:dataModel xmlns:dgm="http://schemas.openxmlformats.org/drawingml/2006/diagram" xmlns:a="http://schemas.openxmlformats.org/drawingml/2006/main">
+  <dgm:ptLst>
+    <dgm:pt modelId="{292E9D25-56B3-4043-BAF5-F769310A641A}" type="doc">
+      <dgm:prSet loTypeId="urn:microsoft.com/office/officeart/2018/2/layout/IconVerticalSolidList" loCatId="icon" qsTypeId="urn:microsoft.com/office/officeart/2005/8/quickstyle/simple1" qsCatId="simple" csTypeId="urn:microsoft.com/office/officeart/2018/5/colors/Iconchunking_neutralicontext_colorful1" csCatId="colorful" phldr="1"/>
+      <dgm:spPr/>
+      <dgm:t>
+        <a:bodyPr/>
+        <a:lstStyle/>
+        <a:p>
+          <a:endParaRPr lang="en-US"/>
+        </a:p>
+      </dgm:t>
+    </dgm:pt>
+    <dgm:pt modelId="{2EB83502-C866-42B7-985E-A46DCEC9C65A}">
+      <dgm:prSet/>
+      <dgm:spPr/>
+      <dgm:t>
+        <a:bodyPr/>
+        <a:lstStyle/>
+        <a:p>
+          <a:r>
+            <a:rPr lang="en-US" dirty="0"/>
+            <a:t>CI/CD allows us to move our efforts towards value creation instead of bug solving</a:t>
+          </a:r>
+        </a:p>
+      </dgm:t>
+    </dgm:pt>
+    <dgm:pt modelId="{5B120BFF-1D68-4E6E-A60A-99C496F0B321}" type="parTrans" cxnId="{789AA16E-0A0A-49EE-B237-258308152E7E}">
+      <dgm:prSet/>
+      <dgm:spPr/>
+      <dgm:t>
+        <a:bodyPr/>
+        <a:lstStyle/>
+        <a:p>
+          <a:endParaRPr lang="en-US"/>
+        </a:p>
+      </dgm:t>
+    </dgm:pt>
+    <dgm:pt modelId="{C1A43BD2-1BFE-4422-8B9F-804D602F2413}" type="sibTrans" cxnId="{789AA16E-0A0A-49EE-B237-258308152E7E}">
+      <dgm:prSet/>
+      <dgm:spPr/>
+      <dgm:t>
+        <a:bodyPr/>
+        <a:lstStyle/>
+        <a:p>
+          <a:endParaRPr lang="en-US"/>
+        </a:p>
+      </dgm:t>
+    </dgm:pt>
+    <dgm:pt modelId="{32302698-2A53-4569-89C4-3A8D26137180}">
+      <dgm:prSet/>
+      <dgm:spPr/>
+      <dgm:t>
+        <a:bodyPr/>
+        <a:lstStyle/>
+        <a:p>
+          <a:r>
+            <a:rPr lang="en-US" dirty="0"/>
+            <a:t>Even though we must invest in the short term, the mid and long-term benefits are worth the investment compared to the developer costs in a non CI/CD environment</a:t>
+          </a:r>
+        </a:p>
+      </dgm:t>
+    </dgm:pt>
+    <dgm:pt modelId="{D568B7DC-AE4E-48E4-8CCB-15F58F776BDB}" type="parTrans" cxnId="{02F495D6-9CCB-42BD-BF4E-DA1E6DD5972D}">
+      <dgm:prSet/>
+      <dgm:spPr/>
+      <dgm:t>
+        <a:bodyPr/>
+        <a:lstStyle/>
+        <a:p>
+          <a:endParaRPr lang="en-US"/>
+        </a:p>
+      </dgm:t>
+    </dgm:pt>
+    <dgm:pt modelId="{AF068966-944F-4D3F-ABF9-5ECCFF69970B}" type="sibTrans" cxnId="{02F495D6-9CCB-42BD-BF4E-DA1E6DD5972D}">
+      <dgm:prSet/>
+      <dgm:spPr/>
+      <dgm:t>
+        <a:bodyPr/>
+        <a:lstStyle/>
+        <a:p>
+          <a:endParaRPr lang="en-US"/>
+        </a:p>
+      </dgm:t>
+    </dgm:pt>
+    <dgm:pt modelId="{D2B5A4F8-3DBA-4225-B758-06AF68F44E56}" type="pres">
+      <dgm:prSet presAssocID="{292E9D25-56B3-4043-BAF5-F769310A641A}" presName="root" presStyleCnt="0">
+        <dgm:presLayoutVars>
+          <dgm:dir/>
+          <dgm:resizeHandles val="exact"/>
+        </dgm:presLayoutVars>
+      </dgm:prSet>
+      <dgm:spPr/>
+    </dgm:pt>
+    <dgm:pt modelId="{B9C74C8A-987A-4AEB-8631-117AFCA221A6}" type="pres">
+      <dgm:prSet presAssocID="{2EB83502-C866-42B7-985E-A46DCEC9C65A}" presName="compNode" presStyleCnt="0"/>
+      <dgm:spPr/>
+    </dgm:pt>
+    <dgm:pt modelId="{273BE098-BC3F-4DDC-BA3D-89941E20994E}" type="pres">
+      <dgm:prSet presAssocID="{2EB83502-C866-42B7-985E-A46DCEC9C65A}" presName="bgRect" presStyleLbl="bgShp" presStyleIdx="0" presStyleCnt="2"/>
+      <dgm:spPr>
+        <a:solidFill>
+          <a:srgbClr val="FFD966"/>
+        </a:solidFill>
+      </dgm:spPr>
+    </dgm:pt>
+    <dgm:pt modelId="{3818341F-8BFA-4E32-B741-184E95BA10FD}" type="pres">
+      <dgm:prSet presAssocID="{2EB83502-C866-42B7-985E-A46DCEC9C65A}" presName="iconRect" presStyleLbl="node1" presStyleIdx="0" presStyleCnt="2"/>
+      <dgm:spPr>
+        <a:blipFill>
+          <a:blip xmlns:r="http://schemas.openxmlformats.org/officeDocument/2006/relationships" r:embed="rId1">
+            <a:extLst>
+              <a:ext uri="{28A0092B-C50C-407E-A947-70E740481C1C}">
+                <a14:useLocalDpi xmlns:a14="http://schemas.microsoft.com/office/drawing/2010/main" val="0"/>
+              </a:ext>
+              <a:ext uri="{96DAC541-7B7A-43D3-8B79-37D633B846F1}">
+                <asvg:svgBlip xmlns:asvg="http://schemas.microsoft.com/office/drawing/2016/SVG/main" r:embed="rId2"/>
+              </a:ext>
+            </a:extLst>
+          </a:blip>
+          <a:stretch>
+            <a:fillRect/>
+          </a:stretch>
+        </a:blipFill>
+        <a:ln>
+          <a:noFill/>
+        </a:ln>
+      </dgm:spPr>
+      <dgm:extLst>
+        <a:ext uri="{E40237B7-FDA0-4F09-8148-C483321AD2D9}">
+          <dgm14:cNvPr xmlns:dgm14="http://schemas.microsoft.com/office/drawing/2010/diagram" id="0" name="" descr="Processor"/>
+        </a:ext>
+      </dgm:extLst>
+    </dgm:pt>
+    <dgm:pt modelId="{9C8BE25D-A859-4CAD-B883-9D2F8773FF66}" type="pres">
+      <dgm:prSet presAssocID="{2EB83502-C866-42B7-985E-A46DCEC9C65A}" presName="spaceRect" presStyleCnt="0"/>
+      <dgm:spPr/>
+    </dgm:pt>
+    <dgm:pt modelId="{FE4A7B35-E48B-4D37-99D1-658B545BC553}" type="pres">
+      <dgm:prSet presAssocID="{2EB83502-C866-42B7-985E-A46DCEC9C65A}" presName="parTx" presStyleLbl="revTx" presStyleIdx="0" presStyleCnt="2">
+        <dgm:presLayoutVars>
+          <dgm:chMax val="0"/>
+          <dgm:chPref val="0"/>
+        </dgm:presLayoutVars>
+      </dgm:prSet>
+      <dgm:spPr/>
+    </dgm:pt>
+    <dgm:pt modelId="{EA43DA2C-7FFC-4D29-80A5-1D04B3F44999}" type="pres">
+      <dgm:prSet presAssocID="{C1A43BD2-1BFE-4422-8B9F-804D602F2413}" presName="sibTrans" presStyleCnt="0"/>
+      <dgm:spPr/>
+    </dgm:pt>
+    <dgm:pt modelId="{56DBA5A6-868C-42D0-8BE3-ACEB8A2528B8}" type="pres">
+      <dgm:prSet presAssocID="{32302698-2A53-4569-89C4-3A8D26137180}" presName="compNode" presStyleCnt="0"/>
+      <dgm:spPr/>
+    </dgm:pt>
+    <dgm:pt modelId="{7CE14E94-DA48-44A2-AE48-522A113FFCDD}" type="pres">
+      <dgm:prSet presAssocID="{32302698-2A53-4569-89C4-3A8D26137180}" presName="bgRect" presStyleLbl="bgShp" presStyleIdx="1" presStyleCnt="2"/>
+      <dgm:spPr>
+        <a:solidFill>
+          <a:srgbClr val="FFD966"/>
+        </a:solidFill>
+      </dgm:spPr>
+    </dgm:pt>
+    <dgm:pt modelId="{B3AAB368-A873-488B-9A2B-D141931C6CBB}" type="pres">
+      <dgm:prSet presAssocID="{32302698-2A53-4569-89C4-3A8D26137180}" presName="iconRect" presStyleLbl="node1" presStyleIdx="1" presStyleCnt="2"/>
+      <dgm:spPr>
+        <a:blipFill>
+          <a:blip xmlns:r="http://schemas.openxmlformats.org/officeDocument/2006/relationships" r:embed="rId3">
+            <a:extLst>
+              <a:ext uri="{28A0092B-C50C-407E-A947-70E740481C1C}">
+                <a14:useLocalDpi xmlns:a14="http://schemas.microsoft.com/office/drawing/2010/main" val="0"/>
+              </a:ext>
+              <a:ext uri="{96DAC541-7B7A-43D3-8B79-37D633B846F1}">
+                <asvg:svgBlip xmlns:asvg="http://schemas.microsoft.com/office/drawing/2016/SVG/main" r:embed="rId4"/>
+              </a:ext>
+            </a:extLst>
+          </a:blip>
+          <a:stretch>
+            <a:fillRect/>
+          </a:stretch>
+        </a:blipFill>
+        <a:ln>
+          <a:noFill/>
+        </a:ln>
+      </dgm:spPr>
+      <dgm:extLst>
+        <a:ext uri="{E40237B7-FDA0-4F09-8148-C483321AD2D9}">
+          <dgm14:cNvPr xmlns:dgm14="http://schemas.microsoft.com/office/drawing/2010/diagram" id="0" name="" descr="Dollar"/>
+        </a:ext>
+      </dgm:extLst>
+    </dgm:pt>
+    <dgm:pt modelId="{A78F69D1-7BAC-4E29-A506-8AECE67BF443}" type="pres">
+      <dgm:prSet presAssocID="{32302698-2A53-4569-89C4-3A8D26137180}" presName="spaceRect" presStyleCnt="0"/>
+      <dgm:spPr/>
+    </dgm:pt>
+    <dgm:pt modelId="{8D6C03AB-31D2-4936-A790-8F1E7145165B}" type="pres">
+      <dgm:prSet presAssocID="{32302698-2A53-4569-89C4-3A8D26137180}" presName="parTx" presStyleLbl="revTx" presStyleIdx="1" presStyleCnt="2">
+        <dgm:presLayoutVars>
+          <dgm:chMax val="0"/>
+          <dgm:chPref val="0"/>
+        </dgm:presLayoutVars>
+      </dgm:prSet>
+      <dgm:spPr/>
+    </dgm:pt>
+  </dgm:ptLst>
+  <dgm:cxnLst>
+    <dgm:cxn modelId="{789AA16E-0A0A-49EE-B237-258308152E7E}" srcId="{292E9D25-56B3-4043-BAF5-F769310A641A}" destId="{2EB83502-C866-42B7-985E-A46DCEC9C65A}" srcOrd="0" destOrd="0" parTransId="{5B120BFF-1D68-4E6E-A60A-99C496F0B321}" sibTransId="{C1A43BD2-1BFE-4422-8B9F-804D602F2413}"/>
+    <dgm:cxn modelId="{1A978354-CE22-4244-8B09-4E41259A6629}" type="presOf" srcId="{2EB83502-C866-42B7-985E-A46DCEC9C65A}" destId="{FE4A7B35-E48B-4D37-99D1-658B545BC553}" srcOrd="0" destOrd="0" presId="urn:microsoft.com/office/officeart/2018/2/layout/IconVerticalSolidList"/>
+    <dgm:cxn modelId="{B89014A0-0B14-4F6C-8A6B-06D8F9F9E42C}" type="presOf" srcId="{292E9D25-56B3-4043-BAF5-F769310A641A}" destId="{D2B5A4F8-3DBA-4225-B758-06AF68F44E56}" srcOrd="0" destOrd="0" presId="urn:microsoft.com/office/officeart/2018/2/layout/IconVerticalSolidList"/>
+    <dgm:cxn modelId="{C226B8BD-37D0-48FE-97A7-8FE2DAA18B4F}" type="presOf" srcId="{32302698-2A53-4569-89C4-3A8D26137180}" destId="{8D6C03AB-31D2-4936-A790-8F1E7145165B}" srcOrd="0" destOrd="0" presId="urn:microsoft.com/office/officeart/2018/2/layout/IconVerticalSolidList"/>
+    <dgm:cxn modelId="{02F495D6-9CCB-42BD-BF4E-DA1E6DD5972D}" srcId="{292E9D25-56B3-4043-BAF5-F769310A641A}" destId="{32302698-2A53-4569-89C4-3A8D26137180}" srcOrd="1" destOrd="0" parTransId="{D568B7DC-AE4E-48E4-8CCB-15F58F776BDB}" sibTransId="{AF068966-944F-4D3F-ABF9-5ECCFF69970B}"/>
+    <dgm:cxn modelId="{7F047BD9-C2E6-47F5-892D-B0CD7DB19CAB}" type="presParOf" srcId="{D2B5A4F8-3DBA-4225-B758-06AF68F44E56}" destId="{B9C74C8A-987A-4AEB-8631-117AFCA221A6}" srcOrd="0" destOrd="0" presId="urn:microsoft.com/office/officeart/2018/2/layout/IconVerticalSolidList"/>
+    <dgm:cxn modelId="{EC80378F-0D39-41E5-9BC8-B6DCA8D62464}" type="presParOf" srcId="{B9C74C8A-987A-4AEB-8631-117AFCA221A6}" destId="{273BE098-BC3F-4DDC-BA3D-89941E20994E}" srcOrd="0" destOrd="0" presId="urn:microsoft.com/office/officeart/2018/2/layout/IconVerticalSolidList"/>
+    <dgm:cxn modelId="{9F2E29BC-02D3-485A-94CD-C4D7ED48FFF4}" type="presParOf" srcId="{B9C74C8A-987A-4AEB-8631-117AFCA221A6}" destId="{3818341F-8BFA-4E32-B741-184E95BA10FD}" srcOrd="1" destOrd="0" presId="urn:microsoft.com/office/officeart/2018/2/layout/IconVerticalSolidList"/>
+    <dgm:cxn modelId="{2743B96E-EE48-4452-8814-F3C11B6D02E2}" type="presParOf" srcId="{B9C74C8A-987A-4AEB-8631-117AFCA221A6}" destId="{9C8BE25D-A859-4CAD-B883-9D2F8773FF66}" srcOrd="2" destOrd="0" presId="urn:microsoft.com/office/officeart/2018/2/layout/IconVerticalSolidList"/>
+    <dgm:cxn modelId="{B7D2B83D-8827-4617-93DF-4450629B1632}" type="presParOf" srcId="{B9C74C8A-987A-4AEB-8631-117AFCA221A6}" destId="{FE4A7B35-E48B-4D37-99D1-658B545BC553}" srcOrd="3" destOrd="0" presId="urn:microsoft.com/office/officeart/2018/2/layout/IconVerticalSolidList"/>
+    <dgm:cxn modelId="{CF1D4BC5-92E7-4EA5-8F11-C71A1A9A4E01}" type="presParOf" srcId="{D2B5A4F8-3DBA-4225-B758-06AF68F44E56}" destId="{EA43DA2C-7FFC-4D29-80A5-1D04B3F44999}" srcOrd="1" destOrd="0" presId="urn:microsoft.com/office/officeart/2018/2/layout/IconVerticalSolidList"/>
+    <dgm:cxn modelId="{0A5E542E-3EDB-4CDE-87A7-626D88C2BB80}" type="presParOf" srcId="{D2B5A4F8-3DBA-4225-B758-06AF68F44E56}" destId="{56DBA5A6-868C-42D0-8BE3-ACEB8A2528B8}" srcOrd="2" destOrd="0" presId="urn:microsoft.com/office/officeart/2018/2/layout/IconVerticalSolidList"/>
+    <dgm:cxn modelId="{DFA963CB-A359-4375-8991-D0F84169396D}" type="presParOf" srcId="{56DBA5A6-868C-42D0-8BE3-ACEB8A2528B8}" destId="{7CE14E94-DA48-44A2-AE48-522A113FFCDD}" srcOrd="0" destOrd="0" presId="urn:microsoft.com/office/officeart/2018/2/layout/IconVerticalSolidList"/>
+    <dgm:cxn modelId="{77A59C1B-497A-4743-9463-5146898FF536}" type="presParOf" srcId="{56DBA5A6-868C-42D0-8BE3-ACEB8A2528B8}" destId="{B3AAB368-A873-488B-9A2B-D141931C6CBB}" srcOrd="1" destOrd="0" presId="urn:microsoft.com/office/officeart/2018/2/layout/IconVerticalSolidList"/>
+    <dgm:cxn modelId="{0B11CA24-73FC-4183-94B3-C8B42AA7D34F}" type="presParOf" srcId="{56DBA5A6-868C-42D0-8BE3-ACEB8A2528B8}" destId="{A78F69D1-7BAC-4E29-A506-8AECE67BF443}" srcOrd="2" destOrd="0" presId="urn:microsoft.com/office/officeart/2018/2/layout/IconVerticalSolidList"/>
+    <dgm:cxn modelId="{226EDA66-09AF-4E04-AFA2-B32D90753A34}" type="presParOf" srcId="{56DBA5A6-868C-42D0-8BE3-ACEB8A2528B8}" destId="{8D6C03AB-31D2-4936-A790-8F1E7145165B}" srcOrd="3" destOrd="0" presId="urn:microsoft.com/office/officeart/2018/2/layout/IconVerticalSolidList"/>
+  </dgm:cxnLst>
+  <dgm:bg/>
+  <dgm:whole/>
+  <dgm:extLst>
+    <a:ext uri="http://schemas.microsoft.com/office/drawing/2008/diagram">
+      <dsp:dataModelExt xmlns:dsp="http://schemas.microsoft.com/office/drawing/2008/diagram" relId="rId6" minVer="http://schemas.openxmlformats.org/drawingml/2006/diagram"/>
+    </a:ext>
+  </dgm:extLst>
+</dgm:dataModel>
+</file>
+
+<file path=ppt/diagrams/drawing1.xml><?xml version="1.0" encoding="utf-8"?>
+<dsp:drawing xmlns:dgm="http://schemas.openxmlformats.org/drawingml/2006/diagram" xmlns:dsp="http://schemas.microsoft.com/office/drawing/2008/diagram" xmlns:a="http://schemas.openxmlformats.org/drawingml/2006/main">
+  <dsp:spTree>
+    <dsp:nvGrpSpPr>
+      <dsp:cNvPr id="0" name=""/>
+      <dsp:cNvGrpSpPr/>
+    </dsp:nvGrpSpPr>
+    <dsp:grpSpPr/>
+    <dsp:sp modelId="{273BE098-BC3F-4DDC-BA3D-89941E20994E}">
+      <dsp:nvSpPr>
+        <dsp:cNvPr id="0" name=""/>
+        <dsp:cNvSpPr/>
+      </dsp:nvSpPr>
+      <dsp:spPr>
+        <a:xfrm>
+          <a:off x="0" y="745053"/>
+          <a:ext cx="10506456" cy="1375483"/>
+        </a:xfrm>
+        <a:prstGeom prst="roundRect">
+          <a:avLst>
+            <a:gd name="adj" fmla="val 10000"/>
+          </a:avLst>
+        </a:prstGeom>
+        <a:solidFill>
+          <a:srgbClr val="FFD966"/>
+        </a:solidFill>
+        <a:ln>
+          <a:noFill/>
+        </a:ln>
+        <a:effectLst/>
+      </dsp:spPr>
+      <dsp:style>
+        <a:lnRef idx="0">
+          <a:scrgbClr r="0" g="0" b="0"/>
+        </a:lnRef>
+        <a:fillRef idx="1">
+          <a:scrgbClr r="0" g="0" b="0"/>
+        </a:fillRef>
+        <a:effectRef idx="0">
+          <a:scrgbClr r="0" g="0" b="0"/>
+        </a:effectRef>
+        <a:fontRef idx="minor"/>
+      </dsp:style>
+    </dsp:sp>
+    <dsp:sp modelId="{3818341F-8BFA-4E32-B741-184E95BA10FD}">
+      <dsp:nvSpPr>
+        <dsp:cNvPr id="0" name=""/>
+        <dsp:cNvSpPr/>
+      </dsp:nvSpPr>
+      <dsp:spPr>
+        <a:xfrm>
+          <a:off x="416083" y="1054537"/>
+          <a:ext cx="756516" cy="756516"/>
+        </a:xfrm>
+        <a:prstGeom prst="rect">
+          <a:avLst/>
+        </a:prstGeom>
+        <a:blipFill>
+          <a:blip xmlns:r="http://schemas.openxmlformats.org/officeDocument/2006/relationships" r:embed="rId1">
+            <a:extLst>
+              <a:ext uri="{28A0092B-C50C-407E-A947-70E740481C1C}">
+                <a14:useLocalDpi xmlns:a14="http://schemas.microsoft.com/office/drawing/2010/main" val="0"/>
+              </a:ext>
+              <a:ext uri="{96DAC541-7B7A-43D3-8B79-37D633B846F1}">
+                <asvg:svgBlip xmlns:asvg="http://schemas.microsoft.com/office/drawing/2016/SVG/main" r:embed="rId2"/>
+              </a:ext>
+            </a:extLst>
+          </a:blip>
+          <a:stretch>
+            <a:fillRect/>
+          </a:stretch>
+        </a:blipFill>
+        <a:ln w="12700" cap="flat" cmpd="sng" algn="ctr">
+          <a:noFill/>
+          <a:prstDash val="solid"/>
+          <a:miter lim="800000"/>
+        </a:ln>
+        <a:effectLst/>
+      </dsp:spPr>
+      <dsp:style>
+        <a:lnRef idx="2">
+          <a:scrgbClr r="0" g="0" b="0"/>
+        </a:lnRef>
+        <a:fillRef idx="1">
+          <a:scrgbClr r="0" g="0" b="0"/>
+        </a:fillRef>
+        <a:effectRef idx="0">
+          <a:scrgbClr r="0" g="0" b="0"/>
+        </a:effectRef>
+        <a:fontRef idx="minor">
+          <a:schemeClr val="lt1"/>
+        </a:fontRef>
+      </dsp:style>
+    </dsp:sp>
+    <dsp:sp modelId="{FE4A7B35-E48B-4D37-99D1-658B545BC553}">
+      <dsp:nvSpPr>
+        <dsp:cNvPr id="0" name=""/>
+        <dsp:cNvSpPr/>
+      </dsp:nvSpPr>
+      <dsp:spPr>
+        <a:xfrm>
+          <a:off x="1588683" y="745053"/>
+          <a:ext cx="8917772" cy="1375483"/>
+        </a:xfrm>
+        <a:prstGeom prst="rect">
+          <a:avLst/>
+        </a:prstGeom>
+        <a:noFill/>
+        <a:ln>
+          <a:noFill/>
+        </a:ln>
+        <a:effectLst/>
+      </dsp:spPr>
+      <dsp:style>
+        <a:lnRef idx="0">
+          <a:scrgbClr r="0" g="0" b="0"/>
+        </a:lnRef>
+        <a:fillRef idx="0">
+          <a:scrgbClr r="0" g="0" b="0"/>
+        </a:fillRef>
+        <a:effectRef idx="0">
+          <a:scrgbClr r="0" g="0" b="0"/>
+        </a:effectRef>
+        <a:fontRef idx="minor"/>
+      </dsp:style>
+      <dsp:txBody>
+        <a:bodyPr spcFirstLastPara="0" vert="horz" wrap="square" lIns="145572" tIns="145572" rIns="145572" bIns="145572" numCol="1" spcCol="1270" anchor="ctr" anchorCtr="0">
+          <a:noAutofit/>
+        </a:bodyPr>
+        <a:lstStyle/>
+        <a:p>
+          <a:pPr marL="0" lvl="0" indent="0" algn="l" defTabSz="1111250">
+            <a:lnSpc>
+              <a:spcPct val="90000"/>
+            </a:lnSpc>
+            <a:spcBef>
+              <a:spcPct val="0"/>
+            </a:spcBef>
+            <a:spcAft>
+              <a:spcPct val="35000"/>
+            </a:spcAft>
+            <a:buNone/>
+          </a:pPr>
+          <a:r>
+            <a:rPr lang="en-US" sz="2500" kern="1200" dirty="0"/>
+            <a:t>CI/CD allows us to move our efforts towards value creation instead of bug solving</a:t>
+          </a:r>
+        </a:p>
+      </dsp:txBody>
+      <dsp:txXfrm>
+        <a:off x="1588683" y="745053"/>
+        <a:ext cx="8917772" cy="1375483"/>
+      </dsp:txXfrm>
+    </dsp:sp>
+    <dsp:sp modelId="{7CE14E94-DA48-44A2-AE48-522A113FFCDD}">
+      <dsp:nvSpPr>
+        <dsp:cNvPr id="0" name=""/>
+        <dsp:cNvSpPr/>
+      </dsp:nvSpPr>
+      <dsp:spPr>
+        <a:xfrm>
+          <a:off x="0" y="2464408"/>
+          <a:ext cx="10506456" cy="1375483"/>
+        </a:xfrm>
+        <a:prstGeom prst="roundRect">
+          <a:avLst>
+            <a:gd name="adj" fmla="val 10000"/>
+          </a:avLst>
+        </a:prstGeom>
+        <a:solidFill>
+          <a:srgbClr val="FFD966"/>
+        </a:solidFill>
+        <a:ln>
+          <a:noFill/>
+        </a:ln>
+        <a:effectLst/>
+      </dsp:spPr>
+      <dsp:style>
+        <a:lnRef idx="0">
+          <a:scrgbClr r="0" g="0" b="0"/>
+        </a:lnRef>
+        <a:fillRef idx="1">
+          <a:scrgbClr r="0" g="0" b="0"/>
+        </a:fillRef>
+        <a:effectRef idx="0">
+          <a:scrgbClr r="0" g="0" b="0"/>
+        </a:effectRef>
+        <a:fontRef idx="minor"/>
+      </dsp:style>
+    </dsp:sp>
+    <dsp:sp modelId="{B3AAB368-A873-488B-9A2B-D141931C6CBB}">
+      <dsp:nvSpPr>
+        <dsp:cNvPr id="0" name=""/>
+        <dsp:cNvSpPr/>
+      </dsp:nvSpPr>
+      <dsp:spPr>
+        <a:xfrm>
+          <a:off x="416083" y="2773892"/>
+          <a:ext cx="756516" cy="756516"/>
+        </a:xfrm>
+        <a:prstGeom prst="rect">
+          <a:avLst/>
+        </a:prstGeom>
+        <a:blipFill>
+          <a:blip xmlns:r="http://schemas.openxmlformats.org/officeDocument/2006/relationships" r:embed="rId3">
+            <a:extLst>
+              <a:ext uri="{28A0092B-C50C-407E-A947-70E740481C1C}">
+                <a14:useLocalDpi xmlns:a14="http://schemas.microsoft.com/office/drawing/2010/main" val="0"/>
+              </a:ext>
+              <a:ext uri="{96DAC541-7B7A-43D3-8B79-37D633B846F1}">
+                <asvg:svgBlip xmlns:asvg="http://schemas.microsoft.com/office/drawing/2016/SVG/main" r:embed="rId4"/>
+              </a:ext>
+            </a:extLst>
+          </a:blip>
+          <a:stretch>
+            <a:fillRect/>
+          </a:stretch>
+        </a:blipFill>
+        <a:ln w="12700" cap="flat" cmpd="sng" algn="ctr">
+          <a:noFill/>
+          <a:prstDash val="solid"/>
+          <a:miter lim="800000"/>
+        </a:ln>
+        <a:effectLst/>
+      </dsp:spPr>
+      <dsp:style>
+        <a:lnRef idx="2">
+          <a:scrgbClr r="0" g="0" b="0"/>
+        </a:lnRef>
+        <a:fillRef idx="1">
+          <a:scrgbClr r="0" g="0" b="0"/>
+        </a:fillRef>
+        <a:effectRef idx="0">
+          <a:scrgbClr r="0" g="0" b="0"/>
+        </a:effectRef>
+        <a:fontRef idx="minor">
+          <a:schemeClr val="lt1"/>
+        </a:fontRef>
+      </dsp:style>
+    </dsp:sp>
+    <dsp:sp modelId="{8D6C03AB-31D2-4936-A790-8F1E7145165B}">
+      <dsp:nvSpPr>
+        <dsp:cNvPr id="0" name=""/>
+        <dsp:cNvSpPr/>
+      </dsp:nvSpPr>
+      <dsp:spPr>
+        <a:xfrm>
+          <a:off x="1588683" y="2464408"/>
+          <a:ext cx="8917772" cy="1375483"/>
+        </a:xfrm>
+        <a:prstGeom prst="rect">
+          <a:avLst/>
+        </a:prstGeom>
+        <a:noFill/>
+        <a:ln>
+          <a:noFill/>
+        </a:ln>
+        <a:effectLst/>
+      </dsp:spPr>
+      <dsp:style>
+        <a:lnRef idx="0">
+          <a:scrgbClr r="0" g="0" b="0"/>
+        </a:lnRef>
+        <a:fillRef idx="0">
+          <a:scrgbClr r="0" g="0" b="0"/>
+        </a:fillRef>
+        <a:effectRef idx="0">
+          <a:scrgbClr r="0" g="0" b="0"/>
+        </a:effectRef>
+        <a:fontRef idx="minor"/>
+      </dsp:style>
+      <dsp:txBody>
+        <a:bodyPr spcFirstLastPara="0" vert="horz" wrap="square" lIns="145572" tIns="145572" rIns="145572" bIns="145572" numCol="1" spcCol="1270" anchor="ctr" anchorCtr="0">
+          <a:noAutofit/>
+        </a:bodyPr>
+        <a:lstStyle/>
+        <a:p>
+          <a:pPr marL="0" lvl="0" indent="0" algn="l" defTabSz="1111250">
+            <a:lnSpc>
+              <a:spcPct val="90000"/>
+            </a:lnSpc>
+            <a:spcBef>
+              <a:spcPct val="0"/>
+            </a:spcBef>
+            <a:spcAft>
+              <a:spcPct val="35000"/>
+            </a:spcAft>
+            <a:buNone/>
+          </a:pPr>
+          <a:r>
+            <a:rPr lang="en-US" sz="2500" kern="1200" dirty="0"/>
+            <a:t>Even though we must invest in the short term, the mid and long-term benefits are worth the investment compared to the developer costs in a non CI/CD environment</a:t>
+          </a:r>
+        </a:p>
+      </dsp:txBody>
+      <dsp:txXfrm>
+        <a:off x="1588683" y="2464408"/>
+        <a:ext cx="8917772" cy="1375483"/>
+      </dsp:txXfrm>
+    </dsp:sp>
+  </dsp:spTree>
+</dsp:drawing>
+</file>
+
+<file path=ppt/diagrams/layout1.xml><?xml version="1.0" encoding="utf-8"?>
+<dgm:layoutDef xmlns:dgm="http://schemas.openxmlformats.org/drawingml/2006/diagram" xmlns:a="http://schemas.openxmlformats.org/drawingml/2006/main" uniqueId="urn:microsoft.com/office/officeart/2018/2/layout/IconVerticalSolidList">
+  <dgm:title val="Icon Vertical Solid List"/>
+  <dgm:desc val="Use to show a series of visuals from top to bottom with Level 1 or Level 1 and Level 2 text grouped in a shape. Works best with icons or small pictures with lengthier descriptions."/>
+  <dgm:catLst>
+    <dgm:cat type="icon" pri="500"/>
+  </dgm:catLst>
+  <dgm:sampData useDef="1">
+    <dgm:dataModel>
+      <dgm:ptLst/>
+      <dgm:bg/>
+      <dgm:whole/>
+    </dgm:dataModel>
+  </dgm:sampData>
+  <dgm:styleData useDef="1">
+    <dgm:dataModel>
+      <dgm:ptLst/>
+      <dgm:bg/>
+      <dgm:whole/>
+    </dgm:dataModel>
+  </dgm:styleData>
+  <dgm:clrData useDef="1">
+    <dgm:dataModel>
+      <dgm:ptLst/>
+      <dgm:bg/>
+      <dgm:whole/>
+    </dgm:dataModel>
+  </dgm:clrData>
+  <dgm:layoutNode name="root">
+    <dgm:varLst>
+      <dgm:dir/>
+      <dgm:resizeHandles val="exact"/>
+    </dgm:varLst>
+    <dgm:choose name="Name0">
+      <dgm:if name="Name1" axis="self" func="var" arg="dir" op="equ" val="norm">
+        <dgm:alg type="lin">
+          <dgm:param type="linDir" val="fromT"/>
+          <dgm:param type="nodeHorzAlign" val="l"/>
+        </dgm:alg>
+      </dgm:if>
+      <dgm:else name="Name2">
+        <dgm:alg type="lin">
+          <dgm:param type="linDir" val="fromT"/>
+          <dgm:param type="nodeHorzAlign" val="r"/>
+        </dgm:alg>
+      </dgm:else>
+    </dgm:choose>
+    <dgm:shape xmlns:r="http://schemas.openxmlformats.org/officeDocument/2006/relationships" r:blip="">
+      <dgm:adjLst/>
+    </dgm:shape>
+    <dgm:presOf/>
+    <dgm:choose name="Name3">
+      <dgm:if name="Name4" axis="ch" ptType="node" func="cnt" op="lte" val="3">
+        <dgm:constrLst>
+          <dgm:constr type="h" for="ch" forName="compNode" refType="h" fact="0.3"/>
+          <dgm:constr type="w" for="ch" forName="compNode" refType="w"/>
+          <dgm:constr type="h" for="ch" forName="sibTrans" refType="h" refFor="ch" refForName="compNode" fact="0.25"/>
+          <dgm:constr type="primFontSz" for="des" forName="parTx" val="25"/>
+          <dgm:constr type="primFontSz" for="des" forName="desTx" refType="primFontSz" refFor="des" refForName="parTx" op="lte" fact="0.75"/>
+          <dgm:constr type="h" for="des" forName="compNode" op="equ"/>
+          <dgm:constr type="h" for="des" forName="bgRect" op="equ"/>
+          <dgm:constr type="h" for="des" forName="iconRect" op="equ"/>
+          <dgm:constr type="w" for="des" forName="iconRect" op="equ"/>
+          <dgm:constr type="h" for="des" forName="spaceRect" op="equ"/>
+          <dgm:constr type="h" for="des" forName="parTx" op="equ"/>
+          <dgm:constr type="h" for="des" forName="desTx" op="equ"/>
+        </dgm:constrLst>
+      </dgm:if>
+      <dgm:if name="Name5" axis="ch" ptType="node" func="cnt" op="lte" val="4">
+        <dgm:constrLst>
+          <dgm:constr type="h" for="ch" forName="compNode" refType="h" fact="0.3"/>
+          <dgm:constr type="w" for="ch" forName="compNode" refType="w"/>
+          <dgm:constr type="h" for="ch" forName="sibTrans" refType="h" refFor="ch" refForName="compNode" fact="0.25"/>
+          <dgm:constr type="primFontSz" for="des" forName="parTx" val="22"/>
+          <dgm:constr type="primFontSz" for="des" forName="desTx" refType="primFontSz" refFor="des" refForName="parTx" op="lte" fact="0.75"/>
+          <dgm:constr type="h" for="des" forName="compNode" op="equ"/>
+          <dgm:constr type="h" for="des" forName="bgRect" op="equ"/>
+          <dgm:constr type="h" for="des" forName="iconRect" op="equ"/>
+          <dgm:constr type="w" for="des" forName="iconRect" op="equ"/>
+          <dgm:constr type="h" for="des" forName="spaceRect" op="equ"/>
+          <dgm:constr type="h" for="des" forName="parTx" op="equ"/>
+          <dgm:constr type="h" for="des" forName="desTx" op="equ"/>
+        </dgm:constrLst>
+      </dgm:if>
+      <dgm:if name="Name6" axis="ch" ptType="node" func="cnt" op="lte" val="6">
+        <dgm:constrLst>
+          <dgm:constr type="h" for="ch" forName="compNode" refType="h" fact="0.3"/>
+          <dgm:constr type="w" for="ch" forName="compNode" refType="w"/>
+          <dgm:constr type="h" for="ch" forName="sibTrans" refType="h" refFor="ch" refForName="compNode" fact="0.25"/>
+          <dgm:constr type="primFontSz" for="des" forName="parTx" val="19"/>
+          <dgm:constr type="primFontSz" for="des" forName="desTx" refType="primFontSz" refFor="des" refForName="parTx" op="lte" fact="0.75"/>
+          <dgm:constr type="h" for="des" forName="compNode" op="equ"/>
+          <dgm:constr type="h" for="des" forName="bgRect" op="equ"/>
+          <dgm:constr type="h" for="des" forName="iconRect" op="equ"/>
+          <dgm:constr type="w" for="des" forName="iconRect" op="equ"/>
+          <dgm:constr type="h" for="des" forName="spaceRect" op="equ"/>
+          <dgm:constr type="h" for="des" forName="parTx" op="equ"/>
+          <dgm:constr type="h" for="des" forName="desTx" op="equ"/>
+        </dgm:constrLst>
+      </dgm:if>
+      <dgm:else name="Name7">
+        <dgm:constrLst>
+          <dgm:constr type="h" for="ch" forName="compNode" refType="h" fact="0.3"/>
+          <dgm:constr type="w" for="ch" forName="compNode" refType="w"/>
+          <dgm:constr type="h" for="ch" forName="sibTrans" refType="h" refFor="ch" refForName="compNode" fact="0.25"/>
+          <dgm:constr type="primFontSz" for="des" forName="parTx" val="16"/>
+          <dgm:constr type="primFontSz" for="des" forName="desTx" refType="primFontSz" refFor="des" refForName="parTx" op="lte" fact="0.75"/>
+          <dgm:constr type="h" for="des" forName="compNode" op="equ"/>
+          <dgm:constr type="h" for="des" forName="bgRect" op="equ"/>
+          <dgm:constr type="h" for="des" forName="iconRect" op="equ"/>
+          <dgm:constr type="w" for="des" forName="iconRect" op="equ"/>
+          <dgm:constr type="h" for="des" forName="spaceRect" op="equ"/>
+          <dgm:constr type="h" for="des" forName="parTx" op="equ"/>
+          <dgm:constr type="h" for="des" forName="desTx" op="equ"/>
+        </dgm:constrLst>
+      </dgm:else>
+    </dgm:choose>
+    <dgm:ruleLst>
+      <dgm:rule type="h" for="ch" forName="compNode" val="0" fact="NaN" max="NaN"/>
+    </dgm:ruleLst>
+    <dgm:forEach name="Name8" axis="ch" ptType="node">
+      <dgm:layoutNode name="compNode">
+        <dgm:alg type="composite"/>
+        <dgm:shape xmlns:r="http://schemas.openxmlformats.org/officeDocument/2006/relationships" r:blip="">
+          <dgm:adjLst/>
+        </dgm:shape>
+        <dgm:presOf axis="self"/>
+        <dgm:choose name="Name9">
+          <dgm:if name="Name10" axis="ch" ptType="node" func="cnt" op="gte" val="1">
+            <dgm:constrLst>
+              <dgm:constr type="w" for="ch" forName="bgRect" refType="w"/>
+              <dgm:constr type="h" for="ch" forName="bgRect" refType="h"/>
+              <dgm:constr type="l" for="ch" forName="bgRect"/>
+              <dgm:constr type="t" for="ch" forName="bgRect"/>
+              <dgm:constr type="h" for="ch" forName="iconRect" refType="h" fact="0.55"/>
+              <dgm:constr type="w" for="ch" forName="iconRect" refType="h" refFor="ch" refForName="iconRect"/>
+              <dgm:constr type="l" for="ch" forName="iconRect" refType="h" refFor="ch" refForName="iconRect" fact="0.55"/>
+              <dgm:constr type="ctrY" for="ch" forName="iconRect" refType="ctrY" refFor="ch" refForName="bgRect"/>
+              <dgm:constr type="w" for="ch" forName="spaceRect" refType="l" refFor="ch" refForName="iconRect"/>
+              <dgm:constr type="h" for="ch" forName="spaceRect" refType="h"/>
+              <dgm:constr type="l" for="ch" forName="spaceRect" refType="r" refFor="ch" refForName="iconRect"/>
+              <dgm:constr type="t" for="ch" forName="spaceRect"/>
+              <dgm:constr type="w" for="ch" forName="parTx" refType="w" fact="0.45"/>
+              <dgm:constr type="h" for="ch" forName="parTx" refType="h"/>
+              <dgm:constr type="l" for="ch" forName="parTx" refType="r" refFor="ch" refForName="spaceRect"/>
+              <dgm:constr type="t" for="ch" forName="parTx"/>
+              <dgm:constr type="h" for="ch" forName="desTx" refType="h"/>
+              <dgm:constr type="l" for="ch" forName="desTx" refType="r" refFor="ch" refForName="parTx"/>
+              <dgm:constr type="t" for="ch" forName="desTx"/>
+            </dgm:constrLst>
+          </dgm:if>
+          <dgm:else name="Name11">
+            <dgm:constrLst>
+              <dgm:constr type="w" for="ch" forName="bgRect" refType="w"/>
+              <dgm:constr type="h" for="ch" forName="bgRect" refType="h"/>
+              <dgm:constr type="l" for="ch" forName="bgRect"/>
+              <dgm:constr type="t" for="ch" forName="bgRect"/>
+              <dgm:constr type="h" for="ch" forName="iconRect" refType="h" fact="0.55"/>
+              <dgm:constr type="w" for="ch" forName="iconRect" refType="h" refFor="ch" refForName="iconRect"/>
+              <dgm:constr type="l" for="ch" forName="iconRect" refType="h" refFor="ch" refForName="iconRect" fact="0.55"/>
+              <dgm:constr type="ctrY" for="ch" forName="iconRect" refType="ctrY" refFor="ch" refForName="bgRect"/>
+              <dgm:constr type="w" for="ch" forName="spaceRect" refType="l" refFor="ch" refForName="iconRect"/>
+              <dgm:constr type="h" for="ch" forName="spaceRect" refType="h"/>
+              <dgm:constr type="l" for="ch" forName="spaceRect" refType="r" refFor="ch" refForName="iconRect"/>
+              <dgm:constr type="t" for="ch" forName="spaceRect"/>
+              <dgm:constr type="h" for="ch" forName="parTx" refType="h"/>
+              <dgm:constr type="l" for="ch" forName="parTx" refType="r" refFor="ch" refForName="spaceRect"/>
+              <dgm:constr type="t" for="ch" forName="parTx"/>
+            </dgm:constrLst>
+          </dgm:else>
+        </dgm:choose>
+        <dgm:ruleLst>
+          <dgm:rule type="h" val="INF" fact="NaN" max="NaN"/>
+        </dgm:ruleLst>
+        <dgm:layoutNode name="bgRect" styleLbl="bgShp">
+          <dgm:alg type="sp"/>
+          <dgm:shape xmlns:r="http://schemas.openxmlformats.org/officeDocument/2006/relationships" type="roundRect" r:blip="">
+            <dgm:adjLst>
+              <dgm:adj idx="1" val="0.1"/>
+            </dgm:adjLst>
+          </dgm:shape>
+          <dgm:presOf/>
+          <dgm:constrLst/>
+          <dgm:ruleLst/>
+        </dgm:layoutNode>
+        <dgm:layoutNode name="iconRect" styleLbl="node1">
+          <dgm:alg type="sp"/>
+          <dgm:shape xmlns:r="http://schemas.openxmlformats.org/officeDocument/2006/relationships" type="rect" r:blip="" blipPhldr="1">
+            <dgm:adjLst/>
+          </dgm:shape>
+          <dgm:presOf/>
+          <dgm:constrLst/>
+          <dgm:ruleLst/>
+        </dgm:layoutNode>
+        <dgm:layoutNode name="spaceRect">
+          <dgm:alg type="sp"/>
+          <dgm:shape xmlns:r="http://schemas.openxmlformats.org/officeDocument/2006/relationships" r:blip="">
+            <dgm:adjLst/>
+          </dgm:shape>
+          <dgm:presOf/>
+          <dgm:constrLst/>
+          <dgm:ruleLst/>
+        </dgm:layoutNode>
+        <dgm:layoutNode name="parTx" styleLbl="revTx">
+          <dgm:varLst>
+            <dgm:chMax val="0"/>
+            <dgm:chPref val="0"/>
+          </dgm:varLst>
+          <dgm:alg type="tx">
+            <dgm:param type="txAnchorVert" val="mid"/>
+            <dgm:param type="parTxLTRAlign" val="l"/>
+            <dgm:param type="shpTxLTRAlignCh" val="l"/>
+            <dgm:param type="parTxRTLAlign" val="r"/>
+            <dgm:param type="shpTxRTLAlignCh" val="r"/>
+          </dgm:alg>
+          <dgm:shape xmlns:r="http://schemas.openxmlformats.org/officeDocument/2006/relationships" type="rect" r:blip="">
+            <dgm:adjLst/>
+          </dgm:shape>
+          <dgm:presOf axis="self" ptType="node"/>
+          <dgm:constrLst>
+            <dgm:constr type="lMarg" refType="h" fact="0.3"/>
+            <dgm:constr type="rMarg" refType="h" fact="0.3"/>
+            <dgm:constr type="tMarg" refType="h" fact="0.3"/>
+            <dgm:constr type="bMarg" refType="h" fact="0.3"/>
+          </dgm:constrLst>
+          <dgm:ruleLst>
+            <dgm:rule type="primFontSz" val="14" fact="NaN" max="NaN"/>
+            <dgm:rule type="h" val="INF" fact="NaN" max="NaN"/>
+          </dgm:ruleLst>
+        </dgm:layoutNode>
+        <dgm:choose name="Name12">
+          <dgm:if name="Name13" axis="ch" ptType="node" func="cnt" op="gte" val="1">
+            <dgm:layoutNode name="desTx" styleLbl="revTx">
+              <dgm:varLst/>
+              <dgm:alg type="tx">
+                <dgm:param type="txAnchorVertCh" val="mid"/>
+                <dgm:param type="parTxLTRAlign" val="l"/>
+                <dgm:param type="shpTxLTRAlignCh" val="l"/>
+                <dgm:param type="parTxRTLAlign" val="r"/>
+                <dgm:param type="shpTxRTLAlignCh" val="r"/>
+                <dgm:param type="stBulletLvl" val="0"/>
+              </dgm:alg>
+              <dgm:shape xmlns:r="http://schemas.openxmlformats.org/officeDocument/2006/relationships" type="rect" r:blip="">
+                <dgm:adjLst/>
+              </dgm:shape>
+              <dgm:presOf axis="des" ptType="node"/>
+              <dgm:constrLst>
+                <dgm:constr type="primFontSz" val="18"/>
+                <dgm:constr type="secFontSz" refType="primFontSz"/>
+                <dgm:constr type="lMarg" refType="h" fact="0.3"/>
+                <dgm:constr type="rMarg" refType="h" fact="0.3"/>
+                <dgm:constr type="tMarg" refType="h" fact="0.3"/>
+                <dgm:constr type="bMarg" refType="h" fact="0.3"/>
+              </dgm:constrLst>
+              <dgm:ruleLst>
+                <dgm:rule type="primFontSz" val="11" fact="NaN" max="NaN"/>
+              </dgm:ruleLst>
+            </dgm:layoutNode>
+          </dgm:if>
+          <dgm:else name="Name14"/>
+        </dgm:choose>
+      </dgm:layoutNode>
+      <dgm:forEach name="Name15" axis="followSib" ptType="sibTrans" cnt="1">
+        <dgm:layoutNode name="sibTrans">
+          <dgm:alg type="sp"/>
+          <dgm:shape xmlns:r="http://schemas.openxmlformats.org/officeDocument/2006/relationships" r:blip="">
+            <dgm:adjLst/>
+          </dgm:shape>
+          <dgm:presOf axis="self"/>
+          <dgm:constrLst/>
+          <dgm:ruleLst/>
+        </dgm:layoutNode>
+      </dgm:forEach>
+    </dgm:forEach>
+  </dgm:layoutNode>
+  <dgm:extLst>
+    <a:ext uri="{68A01E43-0DF5-4B5B-8FA6-DAF915123BFB}">
+      <dgm1612:lstStyle xmlns:dgm1612="http://schemas.microsoft.com/office/drawing/2016/12/diagram">
+        <a:lvl1pPr>
+          <a:lnSpc>
+            <a:spcPct val="100000"/>
+          </a:lnSpc>
+        </a:lvl1pPr>
+        <a:lvl2pPr>
+          <a:lnSpc>
+            <a:spcPct val="100000"/>
+          </a:lnSpc>
+        </a:lvl2pPr>
+      </dgm1612:lstStyle>
+    </a:ext>
+  </dgm:extLst>
+</dgm:layoutDef>
+</file>
+
+<file path=ppt/diagrams/quickStyle1.xml><?xml version="1.0" encoding="utf-8"?>
+<dgm:styleDef xmlns:dgm="http://schemas.openxmlformats.org/drawingml/2006/diagram" xmlns:a="http://schemas.openxmlformats.org/drawingml/2006/main" uniqueId="urn:microsoft.com/office/officeart/2005/8/quickstyle/simple1">
+  <dgm:title val=""/>
+  <dgm:desc val=""/>
+  <dgm:catLst>
+    <dgm:cat type="simple" pri="10100"/>
+  </dgm:catLst>
+  <dgm:scene3d>
+    <a:camera prst="orthographicFront"/>
+    <a:lightRig rig="threePt" dir="t"/>
+  </dgm:scene3d>
+  <dgm:styleLbl name="node0">
+    <dgm:scene3d>
+      <a:camera prst="orthographicFront"/>
+      <a:lightRig rig="threePt" dir="t"/>
+    </dgm:scene3d>
+    <dgm:sp3d/>
+    <dgm:txPr/>
+    <dgm:style>
+      <a:lnRef idx="2">
+        <a:scrgbClr r="0" g="0" b="0"/>
+      </a:lnRef>
+      <a:fillRef idx="1">
+        <a:scrgbClr r="0" g="0" b="0"/>
+      </a:fillRef>
+      <a:effectRef idx="0">
+        <a:scrgbClr r="0" g="0" b="0"/>
+      </a:effectRef>
+      <a:fontRef idx="minor">
+        <a:schemeClr val="lt1"/>
+      </a:fontRef>
+    </dgm:style>
+  </dgm:styleLbl>
+  <dgm:styleLbl name="lnNode1">
+    <dgm:scene3d>
+      <a:camera prst="orthographicFront"/>
+      <a:lightRig rig="threePt" dir="t"/>
+    </dgm:scene3d>
+    <dgm:sp3d/>
+    <dgm:txPr/>
+    <dgm:style>
+      <a:lnRef idx="2">
+        <a:scrgbClr r="0" g="0" b="0"/>
+      </a:lnRef>
+      <a:fillRef idx="1">
+        <a:scrgbClr r="0" g="0" b="0"/>
+      </a:fillRef>
+      <a:effectRef idx="0">
+        <a:scrgbClr r="0" g="0" b="0"/>
+      </a:effectRef>
+      <a:fontRef idx="minor">
+        <a:schemeClr val="lt1"/>
+      </a:fontRef>
+    </dgm:style>
+  </dgm:styleLbl>
+  <dgm:styleLbl name="vennNode1">
+    <dgm:scene3d>
+      <a:camera prst="orthographicFront"/>
+      <a:lightRig rig="threePt" dir="t"/>
+    </dgm:scene3d>
+    <dgm:sp3d/>
+    <dgm:txPr/>
+    <dgm:style>
+      <a:lnRef idx="2">
+        <a:scrgbClr r="0" g="0" b="0"/>
+      </a:lnRef>
+      <a:fillRef idx="1">
+        <a:scrgbClr r="0" g="0" b="0"/>
+      </a:fillRef>
+      <a:effectRef idx="0">
+        <a:scrgbClr r="0" g="0" b="0"/>
+      </a:effectRef>
+      <a:fontRef idx="minor">
+        <a:schemeClr val="tx1"/>
+      </a:fontRef>
+    </dgm:style>
+  </dgm:styleLbl>
+  <dgm:styleLbl name="alignNode1">
+    <dgm:scene3d>
+      <a:camera prst="orthographicFront"/>
+      <a:lightRig rig="threePt" dir="t"/>
+    </dgm:scene3d>
+    <dgm:sp3d/>
+    <dgm:txPr/>
+    <dgm:style>
+      <a:lnRef idx="2">
+        <a:scrgbClr r="0" g="0" b="0"/>
+      </a:lnRef>
+      <a:fillRef idx="1">
+        <a:scrgbClr r="0" g="0" b="0"/>
+      </a:fillRef>
+      <a:effectRef idx="0">
+        <a:scrgbClr r="0" g="0" b="0"/>
+      </a:effectRef>
+      <a:fontRef idx="minor">
+        <a:schemeClr val="lt1"/>
+      </a:fontRef>
+    </dgm:style>
+  </dgm:styleLbl>
+  <dgm:styleLbl name="node1">
+    <dgm:scene3d>
+      <a:camera prst="orthographicFront"/>
+      <a:lightRig rig="threePt" dir="t"/>
+    </dgm:scene3d>
+    <dgm:sp3d/>
+    <dgm:txPr/>
+    <dgm:style>
+      <a:lnRef idx="2">
+        <a:scrgbClr r="0" g="0" b="0"/>
+      </a:lnRef>
+      <a:fillRef idx="1">
+        <a:scrgbClr r="0" g="0" b="0"/>
+      </a:fillRef>
+      <a:effectRef idx="0">
+        <a:scrgbClr r="0" g="0" b="0"/>
+      </a:effectRef>
+      <a:fontRef idx="minor">
+        <a:schemeClr val="lt1"/>
+      </a:fontRef>
+    </dgm:style>
+  </dgm:styleLbl>
+  <dgm:styleLbl name="node2">
+    <dgm:scene3d>
+      <a:camera prst="orthographicFront"/>
+      <a:lightRig rig="threePt" dir="t"/>
+    </dgm:scene3d>
+    <dgm:sp3d/>
+    <dgm:txPr/>
+    <dgm:style>
+      <a:lnRef idx="2">
+        <a:scrgbClr r="0" g="0" b="0"/>
+      </a:lnRef>
+      <a:fillRef idx="1">
+        <a:scrgbClr r="0" g="0" b="0"/>
+      </a:fillRef>
+      <a:effectRef idx="0">
+        <a:scrgbClr r="0" g="0" b="0"/>
+      </a:effectRef>
+      <a:fontRef idx="minor">
+        <a:schemeClr val="lt1"/>
+      </a:fontRef>
+    </dgm:style>
+  </dgm:styleLbl>
+  <dgm:styleLbl name="node3">
+    <dgm:scene3d>
+      <a:camera prst="orthographicFront"/>
+      <a:lightRig rig="threePt" dir="t"/>
+    </dgm:scene3d>
+    <dgm:sp3d/>
+    <dgm:txPr/>
+    <dgm:style>
+      <a:lnRef idx="2">
+        <a:scrgbClr r="0" g="0" b="0"/>
+      </a:lnRef>
+      <a:fillRef idx="1">
+        <a:scrgbClr r="0" g="0" b="0"/>
+      </a:fillRef>
+      <a:effectRef idx="0">
+        <a:scrgbClr r="0" g="0" b="0"/>
+      </a:effectRef>
+      <a:fontRef idx="minor">
+        <a:schemeClr val="lt1"/>
+      </a:fontRef>
+    </dgm:style>
+  </dgm:styleLbl>
+  <dgm:styleLbl name="node4">
+    <dgm:scene3d>
+      <a:camera prst="orthographicFront"/>
+      <a:lightRig rig="threePt" dir="t"/>
+    </dgm:scene3d>
+    <dgm:sp3d/>
+    <dgm:txPr/>
+    <dgm:style>
+      <a:lnRef idx="2">
+        <a:scrgbClr r="0" g="0" b="0"/>
+      </a:lnRef>
+      <a:fillRef idx="1">
+        <a:scrgbClr r="0" g="0" b="0"/>
+      </a:fillRef>
+      <a:effectRef idx="0">
+        <a:scrgbClr r="0" g="0" b="0"/>
+      </a:effectRef>
+      <a:fontRef idx="minor">
+        <a:schemeClr val="lt1"/>
+      </a:fontRef>
+    </dgm:style>
+  </dgm:styleLbl>
+  <dgm:styleLbl name="fgImgPlace1">
+    <dgm:scene3d>
+      <a:camera prst="orthographicFront"/>
+      <a:lightRig rig="threePt" dir="t"/>
+    </dgm:scene3d>
+    <dgm:sp3d/>
+    <dgm:txPr/>
+    <dgm:style>
+      <a:lnRef idx="2">
+        <a:scrgbClr r="0" g="0" b="0"/>
+      </a:lnRef>
+      <a:fillRef idx="1">
+        <a:scrgbClr r="0" g="0" b="0"/>
+      </a:fillRef>
+      <a:effectRef idx="0">
+        <a:scrgbClr r="0" g="0" b="0"/>
+      </a:effectRef>
+      <a:fontRef idx="minor"/>
+    </dgm:style>
+  </dgm:styleLbl>
+  <dgm:styleLbl name="alignImgPlace1">
+    <dgm:scene3d>
+      <a:camera prst="orthographicFront"/>
+      <a:lightRig rig="threePt" dir="t"/>
+    </dgm:scene3d>
+    <dgm:sp3d/>
+    <dgm:txPr/>
+    <dgm:style>
+      <a:lnRef idx="2">
+        <a:scrgbClr r="0" g="0" b="0"/>
+      </a:lnRef>
+      <a:fillRef idx="1">
+        <a:scrgbClr r="0" g="0" b="0"/>
+      </a:fillRef>
+      <a:effectRef idx="0">
+        <a:scrgbClr r="0" g="0" b="0"/>
+      </a:effectRef>
+      <a:fontRef idx="minor"/>
+    </dgm:style>
+  </dgm:styleLbl>
+  <dgm:styleLbl name="bgImgPlace1">
+    <dgm:scene3d>
+      <a:camera prst="orthographicFront"/>
+      <a:lightRig rig="threePt" dir="t"/>
+    </dgm:scene3d>
+    <dgm:sp3d/>
+    <dgm:txPr/>
+    <dgm:style>
+      <a:lnRef idx="2">
+        <a:scrgbClr r="0" g="0" b="0"/>
+      </a:lnRef>
+      <a:fillRef idx="1">
+        <a:scrgbClr r="0" g="0" b="0"/>
+      </a:fillRef>
+      <a:effectRef idx="0">
+        <a:scrgbClr r="0" g="0" b="0"/>
+      </a:effectRef>
+      <a:fontRef idx="minor"/>
+    </dgm:style>
+  </dgm:styleLbl>
+  <dgm:styleLbl name="sibTrans2D1">
+    <dgm:scene3d>
+      <a:camera prst="orthographicFront"/>
+      <a:lightRig rig="threePt" dir="t"/>
+    </dgm:scene3d>
+    <dgm:sp3d/>
+    <dgm:txPr/>
+    <dgm:style>
+      <a:lnRef idx="0">
+        <a:scrgbClr r="0" g="0" b="0"/>
+      </a:lnRef>
+      <a:fillRef idx="1">
+        <a:scrgbClr r="0" g="0" b="0"/>
+      </a:fillRef>
+      <a:effectRef idx="0">
+        <a:scrgbClr r="0" g="0" b="0"/>
+      </a:effectRef>
+      <a:fontRef idx="minor">
+        <a:schemeClr val="lt1"/>
+      </a:fontRef>
+    </dgm:style>
+  </dgm:styleLbl>
+  <dgm:styleLbl name="fgSibTrans2D1">
+    <dgm:scene3d>
+      <a:camera prst="orthographicFront"/>
+      <a:lightRig rig="threePt" dir="t"/>
+    </dgm:scene3d>
+    <dgm:sp3d/>
+    <dgm:txPr/>
+    <dgm:style>
+      <a:lnRef idx="0">
+        <a:scrgbClr r="0" g="0" b="0"/>
+      </a:lnRef>
+      <a:fillRef idx="1">
+        <a:scrgbClr r="0" g="0" b="0"/>
+      </a:fillRef>
+      <a:effectRef idx="0">
+        <a:scrgbClr r="0" g="0" b="0"/>
+      </a:effectRef>
+      <a:fontRef idx="minor">
+        <a:schemeClr val="lt1"/>
+      </a:fontRef>
+    </dgm:style>
+  </dgm:styleLbl>
+  <dgm:styleLbl name="bgSibTrans2D1">
+    <dgm:scene3d>
+      <a:camera prst="orthographicFront"/>
+      <a:lightRig rig="threePt" dir="t"/>
+    </dgm:scene3d>
+    <dgm:sp3d/>
+    <dgm:txPr/>
+    <dgm:style>
+      <a:lnRef idx="0">
+        <a:scrgbClr r="0" g="0" b="0"/>
+      </a:lnRef>
+      <a:fillRef idx="1">
+        <a:scrgbClr r="0" g="0" b="0"/>
+      </a:fillRef>
+      <a:effectRef idx="0">
+        <a:scrgbClr r="0" g="0" b="0"/>
+      </a:effectRef>
+      <a:fontRef idx="minor">
+        <a:schemeClr val="lt1"/>
+      </a:fontRef>
+    </dgm:style>
+  </dgm:styleLbl>
+  <dgm:styleLbl name="sibTrans1D1">
+    <dgm:scene3d>
+      <a:camera prst="orthographicFront"/>
+      <a:lightRig rig="threePt" dir="t"/>
+    </dgm:scene3d>
+    <dgm:sp3d/>
+    <dgm:txPr/>
+    <dgm:style>
+      <a:lnRef idx="1">
+        <a:scrgbClr r="0" g="0" b="0"/>
+      </a:lnRef>
+      <a:fillRef idx="0">
+        <a:scrgbClr r="0" g="0" b="0"/>
+      </a:fillRef>
+      <a:effectRef idx="0">
+        <a:scrgbClr r="0" g="0" b="0"/>
+      </a:effectRef>
+      <a:fontRef idx="minor"/>
+    </dgm:style>
+  </dgm:styleLbl>
+  <dgm:styleLbl name="callout">
+    <dgm:scene3d>
+      <a:camera prst="orthographicFront"/>
+      <a:lightRig rig="threePt" dir="t"/>
+    </dgm:scene3d>
+    <dgm:sp3d/>
+    <dgm:txPr/>
+    <dgm:style>
+      <a:lnRef idx="2">
+        <a:scrgbClr r="0" g="0" b="0"/>
+      </a:lnRef>
+      <a:fillRef idx="1">
+        <a:scrgbClr r="0" g="0" b="0"/>
+      </a:fillRef>
+      <a:effectRef idx="0">
+        <a:scrgbClr r="0" g="0" b="0"/>
+      </a:effectRef>
+      <a:fontRef idx="minor"/>
+    </dgm:style>
+  </dgm:styleLbl>
+  <dgm:styleLbl name="asst0">
+    <dgm:scene3d>
+      <a:camera prst="orthographicFront"/>
+      <a:lightRig rig="threePt" dir="t"/>
+    </dgm:scene3d>
+    <dgm:sp3d/>
+    <dgm:txPr/>
+    <dgm:style>
+      <a:lnRef idx="2">
+        <a:scrgbClr r="0" g="0" b="0"/>
+      </a:lnRef>
+      <a:fillRef idx="1">
+        <a:scrgbClr r="0" g="0" b="0"/>
+      </a:fillRef>
+      <a:effectRef idx="0">
+        <a:scrgbClr r="0" g="0" b="0"/>
+      </a:effectRef>
+      <a:fontRef idx="minor">
+        <a:schemeClr val="lt1"/>
+      </a:fontRef>
+    </dgm:style>
+  </dgm:styleLbl>
+  <dgm:styleLbl name="asst1">
+    <dgm:scene3d>
+      <a:camera prst="orthographicFront"/>
+      <a:lightRig rig="threePt" dir="t"/>
+    </dgm:scene3d>
+    <dgm:sp3d/>
+    <dgm:txPr/>
+    <dgm:style>
+      <a:lnRef idx="2">
+        <a:scrgbClr r="0" g="0" b="0"/>
+      </a:lnRef>
+      <a:fillRef idx="1">
+        <a:scrgbClr r="0" g="0" b="0"/>
+      </a:fillRef>
+      <a:effectRef idx="0">
+        <a:scrgbClr r="0" g="0" b="0"/>
+      </a:effectRef>
+      <a:fontRef idx="minor">
+        <a:schemeClr val="lt1"/>
+      </a:fontRef>
+    </dgm:style>
+  </dgm:styleLbl>
+  <dgm:styleLbl name="asst2">
+    <dgm:scene3d>
+      <a:camera prst="orthographicFront"/>
+      <a:lightRig rig="threePt" dir="t"/>
+    </dgm:scene3d>
+    <dgm:sp3d/>
+    <dgm:txPr/>
+    <dgm:style>
+      <a:lnRef idx="2">
+        <a:scrgbClr r="0" g="0" b="0"/>
+      </a:lnRef>
+      <a:fillRef idx="1">
+        <a:scrgbClr r="0" g="0" b="0"/>
+      </a:fillRef>
+      <a:effectRef idx="0">
+        <a:scrgbClr r="0" g="0" b="0"/>
+      </a:effectRef>
+      <a:fontRef idx="minor">
+        <a:schemeClr val="lt1"/>
+      </a:fontRef>
+    </dgm:style>
+  </dgm:styleLbl>
+  <dgm:styleLbl name="asst3">
+    <dgm:scene3d>
+      <a:camera prst="orthographicFront"/>
+      <a:lightRig rig="threePt" dir="t"/>
+    </dgm:scene3d>
+    <dgm:sp3d/>
+    <dgm:txPr/>
+    <dgm:style>
+      <a:lnRef idx="2">
+        <a:scrgbClr r="0" g="0" b="0"/>
+      </a:lnRef>
+      <a:fillRef idx="1">
+        <a:scrgbClr r="0" g="0" b="0"/>
+      </a:fillRef>
+      <a:effectRef idx="0">
+        <a:scrgbClr r="0" g="0" b="0"/>
+      </a:effectRef>
+      <a:fontRef idx="minor">
+        <a:schemeClr val="lt1"/>
+      </a:fontRef>
+    </dgm:style>
+  </dgm:styleLbl>
+  <dgm:styleLbl name="asst4">
+    <dgm:scene3d>
+      <a:camera prst="orthographicFront"/>
+      <a:lightRig rig="threePt" dir="t"/>
+    </dgm:scene3d>
+    <dgm:sp3d/>
+    <dgm:txPr/>
+    <dgm:style>
+      <a:lnRef idx="2">
+        <a:scrgbClr r="0" g="0" b="0"/>
+      </a:lnRef>
+      <a:fillRef idx="1">
+        <a:scrgbClr r="0" g="0" b="0"/>
+      </a:fillRef>
+      <a:effectRef idx="0">
+        <a:scrgbClr r="0" g="0" b="0"/>
+      </a:effectRef>
+      <a:fontRef idx="minor">
+        <a:schemeClr val="lt1"/>
+      </a:fontRef>
+    </dgm:style>
+  </dgm:styleLbl>
+  <dgm:styleLbl name="parChTrans2D1">
+    <dgm:scene3d>
+      <a:camera prst="orthographicFront"/>
+      <a:lightRig rig="threePt" dir="t"/>
+    </dgm:scene3d>
+    <dgm:sp3d/>
+    <dgm:txPr/>
+    <dgm:style>
+      <a:lnRef idx="2">
+        <a:scrgbClr r="0" g="0" b="0"/>
+      </a:lnRef>
+      <a:fillRef idx="1">
+        <a:scrgbClr r="0" g="0" b="0"/>
+      </a:fillRef>
+      <a:effectRef idx="0">
+        <a:scrgbClr r="0" g="0" b="0"/>
+      </a:effectRef>
+      <a:fontRef idx="minor">
+        <a:schemeClr val="lt1"/>
+      </a:fontRef>
+    </dgm:style>
+  </dgm:styleLbl>
+  <dgm:styleLbl name="parChTrans2D2">
+    <dgm:scene3d>
+      <a:camera prst="orthographicFront"/>
+      <a:lightRig rig="threePt" dir="t"/>
+    </dgm:scene3d>
+    <dgm:sp3d/>
+    <dgm:txPr/>
+    <dgm:style>
+      <a:lnRef idx="2">
+        <a:scrgbClr r="0" g="0" b="0"/>
+      </a:lnRef>
+      <a:fillRef idx="1">
+        <a:scrgbClr r="0" g="0" b="0"/>
+      </a:fillRef>
+      <a:effectRef idx="0">
+        <a:scrgbClr r="0" g="0" b="0"/>
+      </a:effectRef>
+      <a:fontRef idx="minor">
+        <a:schemeClr val="lt1"/>
+      </a:fontRef>
+    </dgm:style>
+  </dgm:styleLbl>
+  <dgm:styleLbl name="parChTrans2D3">
+    <dgm:scene3d>
+      <a:camera prst="orthographicFront"/>
+      <a:lightRig rig="threePt" dir="t"/>
+    </dgm:scene3d>
+    <dgm:sp3d/>
+    <dgm:txPr/>
+    <dgm:style>
+      <a:lnRef idx="2">
+        <a:scrgbClr r="0" g="0" b="0"/>
+      </a:lnRef>
+      <a:fillRef idx="1">
+        <a:scrgbClr r="0" g="0" b="0"/>
+      </a:fillRef>
+      <a:effectRef idx="0">
+        <a:scrgbClr r="0" g="0" b="0"/>
+      </a:effectRef>
+      <a:fontRef idx="minor">
+        <a:schemeClr val="lt1"/>
+      </a:fontRef>
+    </dgm:style>
+  </dgm:styleLbl>
+  <dgm:styleLbl name="parChTrans2D4">
+    <dgm:scene3d>
+      <a:camera prst="orthographicFront"/>
+      <a:lightRig rig="threePt" dir="t"/>
+    </dgm:scene3d>
+    <dgm:sp3d/>
+    <dgm:txPr/>
+    <dgm:style>
+      <a:lnRef idx="2">
+        <a:scrgbClr r="0" g="0" b="0"/>
+      </a:lnRef>
+      <a:fillRef idx="1">
+        <a:scrgbClr r="0" g="0" b="0"/>
+      </a:fillRef>
+      <a:effectRef idx="0">
+        <a:scrgbClr r="0" g="0" b="0"/>
+      </a:effectRef>
+      <a:fontRef idx="minor">
+        <a:schemeClr val="lt1"/>
+      </a:fontRef>
+    </dgm:style>
+  </dgm:styleLbl>
+  <dgm:styleLbl name="parChTrans1D1">
+    <dgm:scene3d>
+      <a:camera prst="orthographicFront"/>
+      <a:lightRig rig="threePt" dir="t"/>
+    </dgm:scene3d>
+    <dgm:sp3d/>
+    <dgm:txPr/>
+    <dgm:style>
+      <a:lnRef idx="2">
+        <a:scrgbClr r="0" g="0" b="0"/>
+      </a:lnRef>
+      <a:fillRef idx="0">
+        <a:scrgbClr r="0" g="0" b="0"/>
+      </a:fillRef>
+      <a:effectRef idx="0">
+        <a:scrgbClr r="0" g="0" b="0"/>
+      </a:effectRef>
+      <a:fontRef idx="minor"/>
+    </dgm:style>
+  </dgm:styleLbl>
+  <dgm:styleLbl name="parChTrans1D2">
+    <dgm:scene3d>
+      <a:camera prst="orthographicFront"/>
+      <a:lightRig rig="threePt" dir="t"/>
+    </dgm:scene3d>
+    <dgm:sp3d/>
+    <dgm:txPr/>
+    <dgm:style>
+      <a:lnRef idx="2">
+        <a:scrgbClr r="0" g="0" b="0"/>
+      </a:lnRef>
+      <a:fillRef idx="0">
+        <a:scrgbClr r="0" g="0" b="0"/>
+      </a:fillRef>
+      <a:effectRef idx="0">
+        <a:scrgbClr r="0" g="0" b="0"/>
+      </a:effectRef>
+      <a:fontRef idx="minor"/>
+    </dgm:style>
+  </dgm:styleLbl>
+  <dgm:styleLbl name="parChTrans1D3">
+    <dgm:scene3d>
+      <a:camera prst="orthographicFront"/>
+      <a:lightRig rig="threePt" dir="t"/>
+    </dgm:scene3d>
+    <dgm:sp3d/>
+    <dgm:txPr/>
+    <dgm:style>
+      <a:lnRef idx="2">
+        <a:scrgbClr r="0" g="0" b="0"/>
+      </a:lnRef>
+      <a:fillRef idx="0">
+        <a:scrgbClr r="0" g="0" b="0"/>
+      </a:fillRef>
+      <a:effectRef idx="0">
+        <a:scrgbClr r="0" g="0" b="0"/>
+      </a:effectRef>
+      <a:fontRef idx="minor"/>
+    </dgm:style>
+  </dgm:styleLbl>
+  <dgm:styleLbl name="parChTrans1D4">
+    <dgm:scene3d>
+      <a:camera prst="orthographicFront"/>
+      <a:lightRig rig="threePt" dir="t"/>
+    </dgm:scene3d>
+    <dgm:sp3d/>
+    <dgm:txPr/>
+    <dgm:style>
+      <a:lnRef idx="2">
+        <a:scrgbClr r="0" g="0" b="0"/>
+      </a:lnRef>
+      <a:fillRef idx="0">
+        <a:scrgbClr r="0" g="0" b="0"/>
+      </a:fillRef>
+      <a:effectRef idx="0">
+        <a:scrgbClr r="0" g="0" b="0"/>
+      </a:effectRef>
+      <a:fontRef idx="minor"/>
+    </dgm:style>
+  </dgm:styleLbl>
+  <dgm:styleLbl name="fgAcc1">
+    <dgm:scene3d>
+      <a:camera prst="orthographicFront"/>
+      <a:lightRig rig="threePt" dir="t"/>
+    </dgm:scene3d>
+    <dgm:sp3d/>
+    <dgm:txPr/>
+    <dgm:style>
+      <a:lnRef idx="2">
+        <a:scrgbClr r="0" g="0" b="0"/>
+      </a:lnRef>
+      <a:fillRef idx="1">
+        <a:scrgbClr r="0" g="0" b="0"/>
+      </a:fillRef>
+      <a:effectRef idx="0">
+        <a:scrgbClr r="0" g="0" b="0"/>
+      </a:effectRef>
+      <a:fontRef idx="minor"/>
+    </dgm:style>
+  </dgm:styleLbl>
+  <dgm:styleLbl name="conFgAcc1">
+    <dgm:scene3d>
+      <a:camera prst="orthographicFront"/>
+      <a:lightRig rig="threePt" dir="t"/>
+    </dgm:scene3d>
+    <dgm:sp3d/>
+    <dgm:txPr/>
+    <dgm:style>
+      <a:lnRef idx="2">
+        <a:scrgbClr r="0" g="0" b="0"/>
+      </a:lnRef>
+      <a:fillRef idx="1">
+        <a:scrgbClr r="0" g="0" b="0"/>
+      </a:fillRef>
+      <a:effectRef idx="0">
+        <a:scrgbClr r="0" g="0" b="0"/>
+      </a:effectRef>
+      <a:fontRef idx="minor"/>
+    </dgm:style>
+  </dgm:styleLbl>
+  <dgm:styleLbl name="alignAcc1">
+    <dgm:scene3d>
+      <a:camera prst="orthographicFront"/>
+      <a:lightRig rig="threePt" dir="t"/>
+    </dgm:scene3d>
+    <dgm:sp3d/>
+    <dgm:txPr/>
+    <dgm:style>
+      <a:lnRef idx="2">
+        <a:scrgbClr r="0" g="0" b="0"/>
+      </a:lnRef>
+      <a:fillRef idx="1">
+        <a:scrgbClr r="0" g="0" b="0"/>
+      </a:fillRef>
+      <a:effectRef idx="0">
+        <a:scrgbClr r="0" g="0" b="0"/>
+      </a:effectRef>
+      <a:fontRef idx="minor"/>
+    </dgm:style>
+  </dgm:styleLbl>
+  <dgm:styleLbl name="trAlignAcc1">
+    <dgm:scene3d>
+      <a:camera prst="orthographicFront"/>
+      <a:lightRig rig="threePt" dir="t"/>
+    </dgm:scene3d>
+    <dgm:sp3d/>
+    <dgm:txPr/>
+    <dgm:style>
+      <a:lnRef idx="1">
+        <a:scrgbClr r="0" g="0" b="0"/>
+      </a:lnRef>
+      <a:fillRef idx="1">
+        <a:scrgbClr r="0" g="0" b="0"/>
+      </a:fillRef>
+      <a:effectRef idx="0">
+        <a:scrgbClr r="0" g="0" b="0"/>
+      </a:effectRef>
+      <a:fontRef idx="minor"/>
+    </dgm:style>
+  </dgm:styleLbl>
+  <dgm:styleLbl name="bgAcc1">
+    <dgm:scene3d>
+      <a:camera prst="orthographicFront"/>
+      <a:lightRig rig="threePt" dir="t"/>
+    </dgm:scene3d>
+    <dgm:sp3d/>
+    <dgm:txPr/>
+    <dgm:style>
+      <a:lnRef idx="2">
+        <a:scrgbClr r="0" g="0" b="0"/>
+      </a:lnRef>
+      <a:fillRef idx="1">
+        <a:scrgbClr r="0" g="0" b="0"/>
+      </a:fillRef>
+      <a:effectRef idx="0">
+        <a:scrgbClr r="0" g="0" b="0"/>
+      </a:effectRef>
+      <a:fontRef idx="minor"/>
+    </dgm:style>
+  </dgm:styleLbl>
+  <dgm:styleLbl name="solidFgAcc1">
+    <dgm:scene3d>
+      <a:camera prst="orthographicFront"/>
+      <a:lightRig rig="threePt" dir="t"/>
+    </dgm:scene3d>
+    <dgm:sp3d/>
+    <dgm:txPr/>
+    <dgm:style>
+      <a:lnRef idx="2">
+        <a:scrgbClr r="0" g="0" b="0"/>
+      </a:lnRef>
+      <a:fillRef idx="1">
+        <a:scrgbClr r="0" g="0" b="0"/>
+      </a:fillRef>
+      <a:effectRef idx="0">
+        <a:scrgbClr r="0" g="0" b="0"/>
+      </a:effectRef>
+      <a:fontRef idx="minor"/>
+    </dgm:style>
+  </dgm:styleLbl>
+  <dgm:styleLbl name="solidAlignAcc1">
+    <dgm:scene3d>
+      <a:camera prst="orthographicFront"/>
+      <a:lightRig rig="threePt" dir="t"/>
+    </dgm:scene3d>
+    <dgm:sp3d/>
+    <dgm:txPr/>
+    <dgm:style>
+      <a:lnRef idx="2">
+        <a:scrgbClr r="0" g="0" b="0"/>
+      </a:lnRef>
+      <a:fillRef idx="1">
+        <a:scrgbClr r="0" g="0" b="0"/>
+      </a:fillRef>
+      <a:effectRef idx="0">
+        <a:scrgbClr r="0" g="0" b="0"/>
+      </a:effectRef>
+      <a:fontRef idx="minor"/>
+    </dgm:style>
+  </dgm:styleLbl>
+  <dgm:styleLbl name="solidBgAcc1">
+    <dgm:scene3d>
+      <a:camera prst="orthographicFront"/>
+      <a:lightRig rig="threePt" dir="t"/>
+    </dgm:scene3d>
+    <dgm:sp3d/>
+    <dgm:txPr/>
+    <dgm:style>
+      <a:lnRef idx="2">
+        <a:scrgbClr r="0" g="0" b="0"/>
+      </a:lnRef>
+      <a:fillRef idx="1">
+        <a:scrgbClr r="0" g="0" b="0"/>
+      </a:fillRef>
+      <a:effectRef idx="0">
+        <a:scrgbClr r="0" g="0" b="0"/>
+      </a:effectRef>
+      <a:fontRef idx="minor"/>
+    </dgm:style>
+  </dgm:styleLbl>
+  <dgm:styleLbl name="fgAccFollowNode1">
+    <dgm:scene3d>
+      <a:camera prst="orthographicFront"/>
+      <a:lightRig rig="threePt" dir="t"/>
+    </dgm:scene3d>
+    <dgm:sp3d/>
+    <dgm:txPr/>
+    <dgm:style>
+      <a:lnRef idx="2">
+        <a:scrgbClr r="0" g="0" b="0"/>
+      </a:lnRef>
+      <a:fillRef idx="1">
+        <a:scrgbClr r="0" g="0" b="0"/>
+      </a:fillRef>
+      <a:effectRef idx="0">
+        <a:scrgbClr r="0" g="0" b="0"/>
+      </a:effectRef>
+      <a:fontRef idx="minor"/>
+    </dgm:style>
+  </dgm:styleLbl>
+  <dgm:styleLbl name="alignAccFollowNode1">
+    <dgm:scene3d>
+      <a:camera prst="orthographicFront"/>
+      <a:lightRig rig="threePt" dir="t"/>
+    </dgm:scene3d>
+    <dgm:sp3d/>
+    <dgm:txPr/>
+    <dgm:style>
+      <a:lnRef idx="2">
+        <a:scrgbClr r="0" g="0" b="0"/>
+      </a:lnRef>
+      <a:fillRef idx="1">
+        <a:scrgbClr r="0" g="0" b="0"/>
+      </a:fillRef>
+      <a:effectRef idx="0">
+        <a:scrgbClr r="0" g="0" b="0"/>
+      </a:effectRef>
+      <a:fontRef idx="minor"/>
+    </dgm:style>
+  </dgm:styleLbl>
+  <dgm:styleLbl name="bgAccFollowNode1">
+    <dgm:scene3d>
+      <a:camera prst="orthographicFront"/>
+      <a:lightRig rig="threePt" dir="t"/>
+    </dgm:scene3d>
+    <dgm:sp3d/>
+    <dgm:txPr/>
+    <dgm:style>
+      <a:lnRef idx="2">
+        <a:scrgbClr r="0" g="0" b="0"/>
+      </a:lnRef>
+      <a:fillRef idx="1">
+        <a:scrgbClr r="0" g="0" b="0"/>
+      </a:fillRef>
+      <a:effectRef idx="0">
+        <a:scrgbClr r="0" g="0" b="0"/>
+      </a:effectRef>
+      <a:fontRef idx="minor"/>
+    </dgm:style>
+  </dgm:styleLbl>
+  <dgm:styleLbl name="fgAcc0">
+    <dgm:scene3d>
+      <a:camera prst="orthographicFront"/>
+      <a:lightRig rig="threePt" dir="t"/>
+    </dgm:scene3d>
+    <dgm:sp3d/>
+    <dgm:txPr/>
+    <dgm:style>
+      <a:lnRef idx="2">
+        <a:scrgbClr r="0" g="0" b="0"/>
+      </a:lnRef>
+      <a:fillRef idx="1">
+        <a:scrgbClr r="0" g="0" b="0"/>
+      </a:fillRef>
+      <a:effectRef idx="0">
+        <a:scrgbClr r="0" g="0" b="0"/>
+      </a:effectRef>
+      <a:fontRef idx="minor"/>
+    </dgm:style>
+  </dgm:styleLbl>
+  <dgm:styleLbl name="fgAcc2">
+    <dgm:scene3d>
+      <a:camera prst="orthographicFront"/>
+      <a:lightRig rig="threePt" dir="t"/>
+    </dgm:scene3d>
+    <dgm:sp3d/>
+    <dgm:txPr/>
+    <dgm:style>
+      <a:lnRef idx="2">
+        <a:scrgbClr r="0" g="0" b="0"/>
+      </a:lnRef>
+      <a:fillRef idx="1">
+        <a:scrgbClr r="0" g="0" b="0"/>
+      </a:fillRef>
+      <a:effectRef idx="0">
+        <a:scrgbClr r="0" g="0" b="0"/>
+      </a:effectRef>
+      <a:fontRef idx="minor"/>
+    </dgm:style>
+  </dgm:styleLbl>
+  <dgm:styleLbl name="fgAcc3">
+    <dgm:scene3d>
+      <a:camera prst="orthographicFront"/>
+      <a:lightRig rig="threePt" dir="t"/>
+    </dgm:scene3d>
+    <dgm:sp3d/>
+    <dgm:txPr/>
+    <dgm:style>
+      <a:lnRef idx="2">
+        <a:scrgbClr r="0" g="0" b="0"/>
+      </a:lnRef>
+      <a:fillRef idx="1">
+        <a:scrgbClr r="0" g="0" b="0"/>
+      </a:fillRef>
+      <a:effectRef idx="0">
+        <a:scrgbClr r="0" g="0" b="0"/>
+      </a:effectRef>
+      <a:fontRef idx="minor"/>
+    </dgm:style>
+  </dgm:styleLbl>
+  <dgm:styleLbl name="fgAcc4">
+    <dgm:scene3d>
+      <a:camera prst="orthographicFront"/>
+      <a:lightRig rig="threePt" dir="t"/>
+    </dgm:scene3d>
+    <dgm:sp3d/>
+    <dgm:txPr/>
+    <dgm:style>
+      <a:lnRef idx="2">
+        <a:scrgbClr r="0" g="0" b="0"/>
+      </a:lnRef>
+      <a:fillRef idx="1">
+        <a:scrgbClr r="0" g="0" b="0"/>
+      </a:fillRef>
+      <a:effectRef idx="0">
+        <a:scrgbClr r="0" g="0" b="0"/>
+      </a:effectRef>
+      <a:fontRef idx="minor"/>
+    </dgm:style>
+  </dgm:styleLbl>
+  <dgm:styleLbl name="bgShp">
+    <dgm:scene3d>
+      <a:camera prst="orthographicFront"/>
+      <a:lightRig rig="threePt" dir="t"/>
+    </dgm:scene3d>
+    <dgm:sp3d/>
+    <dgm:txPr/>
+    <dgm:style>
+      <a:lnRef idx="0">
+        <a:scrgbClr r="0" g="0" b="0"/>
+      </a:lnRef>
+      <a:fillRef idx="1">
+        <a:scrgbClr r="0" g="0" b="0"/>
+      </a:fillRef>
+      <a:effectRef idx="0">
+        <a:scrgbClr r="0" g="0" b="0"/>
+      </a:effectRef>
+      <a:fontRef idx="minor"/>
+    </dgm:style>
+  </dgm:styleLbl>
+  <dgm:styleLbl name="dkBgShp">
+    <dgm:scene3d>
+      <a:camera prst="orthographicFront"/>
+      <a:lightRig rig="threePt" dir="t"/>
+    </dgm:scene3d>
+    <dgm:sp3d/>
+    <dgm:txPr/>
+    <dgm:style>
+      <a:lnRef idx="0">
+        <a:scrgbClr r="0" g="0" b="0"/>
+      </a:lnRef>
+      <a:fillRef idx="1">
+        <a:scrgbClr r="0" g="0" b="0"/>
+      </a:fillRef>
+      <a:effectRef idx="0">
+        <a:scrgbClr r="0" g="0" b="0"/>
+      </a:effectRef>
+      <a:fontRef idx="minor"/>
+    </dgm:style>
+  </dgm:styleLbl>
+  <dgm:styleLbl name="trBgShp">
+    <dgm:scene3d>
+      <a:camera prst="orthographicFront"/>
+      <a:lightRig rig="threePt" dir="t"/>
+    </dgm:scene3d>
+    <dgm:sp3d/>
+    <dgm:txPr/>
+    <dgm:style>
+      <a:lnRef idx="0">
+        <a:scrgbClr r="0" g="0" b="0"/>
+      </a:lnRef>
+      <a:fillRef idx="1">
+        <a:scrgbClr r="0" g="0" b="0"/>
+      </a:fillRef>
+      <a:effectRef idx="0">
+        <a:scrgbClr r="0" g="0" b="0"/>
+      </a:effectRef>
+      <a:fontRef idx="minor"/>
+    </dgm:style>
+  </dgm:styleLbl>
+  <dgm:styleLbl name="fgShp">
+    <dgm:scene3d>
+      <a:camera prst="orthographicFront"/>
+      <a:lightRig rig="threePt" dir="t"/>
+    </dgm:scene3d>
+    <dgm:sp3d/>
+    <dgm:txPr/>
+    <dgm:style>
+      <a:lnRef idx="2">
+        <a:scrgbClr r="0" g="0" b="0"/>
+      </a:lnRef>
+      <a:fillRef idx="1">
+        <a:scrgbClr r="0" g="0" b="0"/>
+      </a:fillRef>
+      <a:effectRef idx="0">
+        <a:scrgbClr r="0" g="0" b="0"/>
+      </a:effectRef>
+      <a:fontRef idx="minor"/>
+    </dgm:style>
+  </dgm:styleLbl>
+  <dgm:styleLbl name="revTx">
+    <dgm:scene3d>
+      <a:camera prst="orthographicFront"/>
+      <a:lightRig rig="threePt" dir="t"/>
+    </dgm:scene3d>
+    <dgm:sp3d/>
+    <dgm:txPr/>
+    <dgm:style>
+      <a:lnRef idx="0">
+        <a:scrgbClr r="0" g="0" b="0"/>
+      </a:lnRef>
+      <a:fillRef idx="0">
+        <a:scrgbClr r="0" g="0" b="0"/>
+      </a:fillRef>
+      <a:effectRef idx="0">
+        <a:scrgbClr r="0" g="0" b="0"/>
+      </a:effectRef>
+      <a:fontRef idx="minor"/>
+    </dgm:style>
+  </dgm:styleLbl>
+</dgm:styleDef>
 </file>
 
 <file path=ppt/slideLayouts/slideLayout1.xml><?xml version="1.0" encoding="utf-8"?>
@@ -4301,6 +7090,14 @@
 <file path=ppt/slides/slide3.xml><?xml version="1.0" encoding="utf-8"?>
 <p:sld xmlns:a="http://schemas.openxmlformats.org/drawingml/2006/main" xmlns:r="http://schemas.openxmlformats.org/officeDocument/2006/relationships" xmlns:p="http://schemas.openxmlformats.org/presentationml/2006/main">
   <p:cSld>
+    <p:bg>
+      <p:bgPr>
+        <a:solidFill>
+          <a:srgbClr val="FFD966"/>
+        </a:solidFill>
+        <a:effectLst/>
+      </p:bgPr>
+    </p:bg>
     <p:spTree>
       <p:nvGrpSpPr>
         <p:cNvPr id="1" name=""/>
@@ -4317,6 +7114,98 @@
       </p:grpSpPr>
       <p:sp>
         <p:nvSpPr>
+          <p:cNvPr id="10" name="Rectangle 9">
+            <a:extLst>
+              <a:ext uri="{FF2B5EF4-FFF2-40B4-BE49-F238E27FC236}">
+                <a16:creationId xmlns:a16="http://schemas.microsoft.com/office/drawing/2014/main" id="{4C608BEB-860E-4094-8511-78603564A75E}"/>
+              </a:ext>
+              <a:ext uri="{C183D7F6-B498-43B3-948B-1728B52AA6E4}">
+                <adec:decorative xmlns:adec="http://schemas.microsoft.com/office/drawing/2017/decorative" val="1"/>
+              </a:ext>
+            </a:extLst>
+          </p:cNvPr>
+          <p:cNvSpPr>
+            <a:spLocks noGrp="1" noRot="1" noChangeAspect="1" noMove="1" noResize="1" noEditPoints="1" noAdjustHandles="1" noChangeArrowheads="1" noChangeShapeType="1" noTextEdit="1"/>
+          </p:cNvSpPr>
+          <p:nvPr>
+            <p:extLst>
+              <p:ext uri="{386F3935-93C4-4BCD-93E2-E3B085C9AB24}">
+                <p16:designElem xmlns:p16="http://schemas.microsoft.com/office/powerpoint/2015/main" val="1"/>
+              </p:ext>
+            </p:extLst>
+          </p:nvPr>
+        </p:nvSpPr>
+        <p:spPr>
+          <a:xfrm>
+            <a:off x="0" y="0"/>
+            <a:ext cx="4059050" cy="6858000"/>
+          </a:xfrm>
+          <a:prstGeom prst="rect">
+            <a:avLst/>
+          </a:prstGeom>
+          <a:solidFill>
+            <a:srgbClr val="404040"/>
+          </a:solidFill>
+          <a:ln>
+            <a:noFill/>
+          </a:ln>
+        </p:spPr>
+        <p:style>
+          <a:lnRef idx="2">
+            <a:schemeClr val="accent1">
+              <a:shade val="50000"/>
+            </a:schemeClr>
+          </a:lnRef>
+          <a:fillRef idx="1">
+            <a:schemeClr val="accent1"/>
+          </a:fillRef>
+          <a:effectRef idx="0">
+            <a:schemeClr val="accent1"/>
+          </a:effectRef>
+          <a:fontRef idx="minor">
+            <a:schemeClr val="lt1"/>
+          </a:fontRef>
+        </p:style>
+        <p:txBody>
+          <a:bodyPr rtlCol="0" anchor="ctr"/>
+          <a:lstStyle/>
+          <a:p>
+            <a:pPr marL="0" marR="0" lvl="0" indent="0" algn="ctr" defTabSz="914400" rtl="0" eaLnBrk="1" fontAlgn="auto" latinLnBrk="0" hangingPunct="1">
+              <a:lnSpc>
+                <a:spcPct val="100000"/>
+              </a:lnSpc>
+              <a:spcBef>
+                <a:spcPts val="0"/>
+              </a:spcBef>
+              <a:spcAft>
+                <a:spcPts val="0"/>
+              </a:spcAft>
+              <a:buClrTx/>
+              <a:buSzTx/>
+              <a:buFontTx/>
+              <a:buNone/>
+              <a:tabLst/>
+              <a:defRPr/>
+            </a:pPr>
+            <a:endParaRPr kumimoji="0" lang="en-US" sz="1800" b="0" i="0" u="none" strike="noStrike" kern="1200" cap="none" spc="0" normalizeH="0" baseline="0" noProof="0">
+              <a:ln>
+                <a:noFill/>
+              </a:ln>
+              <a:solidFill>
+                <a:prstClr val="white"/>
+              </a:solidFill>
+              <a:effectLst/>
+              <a:uLnTx/>
+              <a:uFillTx/>
+              <a:latin typeface="Calibri" panose="020F0502020204030204"/>
+              <a:ea typeface="+mn-ea"/>
+              <a:cs typeface="+mn-cs"/>
+            </a:endParaRPr>
+          </a:p>
+        </p:txBody>
+      </p:sp>
+      <p:sp>
+        <p:nvSpPr>
           <p:cNvPr id="2" name="Title 1">
             <a:extLst>
               <a:ext uri="{FF2B5EF4-FFF2-40B4-BE49-F238E27FC236}">
@@ -4331,36 +7220,29 @@
             <p:ph type="title"/>
           </p:nvPr>
         </p:nvSpPr>
-        <p:spPr/>
+        <p:spPr>
+          <a:xfrm>
+            <a:off x="838200" y="1412488"/>
+            <a:ext cx="2899189" cy="4363844"/>
+          </a:xfrm>
+        </p:spPr>
         <p:txBody>
-          <a:bodyPr/>
+          <a:bodyPr vert="horz" lIns="91440" tIns="45720" rIns="91440" bIns="45720" rtlCol="0" anchor="t">
+            <a:normAutofit/>
+          </a:bodyPr>
           <a:lstStyle/>
           <a:p>
             <a:r>
-              <a:rPr lang="es-CO" dirty="0" err="1"/>
-              <a:t>What</a:t>
-            </a:r>
-            <a:r>
-              <a:rPr lang="es-CO" dirty="0"/>
-              <a:t> do </a:t>
-            </a:r>
-            <a:r>
-              <a:rPr lang="es-CO" dirty="0" err="1"/>
-              <a:t>we</a:t>
-            </a:r>
-            <a:r>
-              <a:rPr lang="es-CO" dirty="0"/>
-              <a:t> </a:t>
-            </a:r>
-            <a:r>
-              <a:rPr lang="es-CO" dirty="0" err="1"/>
-              <a:t>win</a:t>
-            </a:r>
-            <a:r>
-              <a:rPr lang="es-CO" dirty="0"/>
-              <a:t>?</a:t>
-            </a:r>
-            <a:endParaRPr lang="en-GB" dirty="0"/>
+              <a:rPr lang="en-US" sz="4000" kern="1200" dirty="0">
+                <a:solidFill>
+                  <a:srgbClr val="FFFFFF"/>
+                </a:solidFill>
+                <a:latin typeface="+mj-lt"/>
+                <a:ea typeface="+mj-ea"/>
+                <a:cs typeface="+mj-cs"/>
+              </a:rPr>
+              <a:t>What do we win?</a:t>
+            </a:r>
           </a:p>
         </p:txBody>
       </p:sp>
@@ -4380,19 +7262,1548 @@
             <p:ph idx="1"/>
           </p:nvPr>
         </p:nvSpPr>
-        <p:spPr/>
+        <p:spPr>
+          <a:xfrm>
+            <a:off x="4383898" y="3432650"/>
+            <a:ext cx="3427283" cy="1977331"/>
+          </a:xfrm>
+        </p:spPr>
         <p:txBody>
-          <a:bodyPr/>
+          <a:bodyPr vert="horz" lIns="91440" tIns="45720" rIns="91440" bIns="45720" rtlCol="0">
+            <a:normAutofit/>
+          </a:bodyPr>
           <a:lstStyle/>
           <a:p>
-            <a:endParaRPr lang="en-GB" dirty="0"/>
+            <a:r>
+              <a:rPr lang="en-US" sz="2000" dirty="0"/>
+              <a:t>Less bugs in production</a:t>
+            </a:r>
+          </a:p>
+          <a:p>
+            <a:r>
+              <a:rPr lang="en-US" sz="2000" dirty="0"/>
+              <a:t>Prevent security holes</a:t>
+            </a:r>
+          </a:p>
+          <a:p>
+            <a:r>
+              <a:rPr lang="en-US" sz="2000" dirty="0"/>
+              <a:t>Less human error</a:t>
+            </a:r>
+          </a:p>
+          <a:p>
+            <a:r>
+              <a:rPr lang="en-US" sz="2000" dirty="0"/>
+              <a:t>Faster deployments</a:t>
+            </a:r>
           </a:p>
         </p:txBody>
       </p:sp>
+      <p:cxnSp>
+        <p:nvCxnSpPr>
+          <p:cNvPr id="12" name="Straight Connector 11">
+            <a:extLst>
+              <a:ext uri="{FF2B5EF4-FFF2-40B4-BE49-F238E27FC236}">
+                <a16:creationId xmlns:a16="http://schemas.microsoft.com/office/drawing/2014/main" id="{1F16A8D4-FE87-4604-88B2-394B5D1EB437}"/>
+              </a:ext>
+              <a:ext uri="{C183D7F6-B498-43B3-948B-1728B52AA6E4}">
+                <adec:decorative xmlns:adec="http://schemas.microsoft.com/office/drawing/2017/decorative" val="1"/>
+              </a:ext>
+            </a:extLst>
+          </p:cNvPr>
+          <p:cNvCxnSpPr>
+            <a:cxnSpLocks noGrp="1" noRot="1" noChangeAspect="1" noMove="1" noResize="1" noEditPoints="1" noAdjustHandles="1" noChangeArrowheads="1" noChangeShapeType="1"/>
+          </p:cNvCxnSpPr>
+          <p:nvPr>
+            <p:extLst>
+              <p:ext uri="{386F3935-93C4-4BCD-93E2-E3B085C9AB24}">
+                <p16:designElem xmlns:p16="http://schemas.microsoft.com/office/powerpoint/2015/main" val="1"/>
+              </p:ext>
+            </p:extLst>
+          </p:nvPr>
+        </p:nvCxnSpPr>
+        <p:spPr>
+          <a:xfrm>
+            <a:off x="8129871" y="1412488"/>
+            <a:ext cx="0" cy="3657600"/>
+          </a:xfrm>
+          <a:prstGeom prst="line">
+            <a:avLst/>
+          </a:prstGeom>
+          <a:ln w="12700">
+            <a:solidFill>
+              <a:schemeClr val="tx1">
+                <a:lumMod val="50000"/>
+                <a:lumOff val="50000"/>
+              </a:schemeClr>
+            </a:solidFill>
+          </a:ln>
+        </p:spPr>
+        <p:style>
+          <a:lnRef idx="1">
+            <a:schemeClr val="accent1"/>
+          </a:lnRef>
+          <a:fillRef idx="0">
+            <a:schemeClr val="accent1"/>
+          </a:fillRef>
+          <a:effectRef idx="0">
+            <a:schemeClr val="accent1"/>
+          </a:effectRef>
+          <a:fontRef idx="minor">
+            <a:schemeClr val="tx1"/>
+          </a:fontRef>
+        </p:style>
+      </p:cxnSp>
+      <p:sp>
+        <p:nvSpPr>
+          <p:cNvPr id="11" name="Content Placeholder 2">
+            <a:extLst>
+              <a:ext uri="{FF2B5EF4-FFF2-40B4-BE49-F238E27FC236}">
+                <a16:creationId xmlns:a16="http://schemas.microsoft.com/office/drawing/2014/main" id="{18FD5BB3-EAC8-4B8E-B69E-A17E7B5035BB}"/>
+              </a:ext>
+            </a:extLst>
+          </p:cNvPr>
+          <p:cNvSpPr txBox="1">
+            <a:spLocks/>
+          </p:cNvSpPr>
+          <p:nvPr/>
+        </p:nvSpPr>
+        <p:spPr>
+          <a:xfrm>
+            <a:off x="8448562" y="3432650"/>
+            <a:ext cx="3903482" cy="2307915"/>
+          </a:xfrm>
+          <a:prstGeom prst="rect">
+            <a:avLst/>
+          </a:prstGeom>
+        </p:spPr>
+        <p:txBody>
+          <a:bodyPr vert="horz" lIns="91440" tIns="45720" rIns="91440" bIns="45720" rtlCol="0">
+            <a:normAutofit/>
+          </a:bodyPr>
+          <a:lstStyle>
+            <a:lvl1pPr marL="228600" indent="-228600" algn="l" defTabSz="914400" rtl="0" eaLnBrk="1" latinLnBrk="0" hangingPunct="1">
+              <a:lnSpc>
+                <a:spcPct val="90000"/>
+              </a:lnSpc>
+              <a:spcBef>
+                <a:spcPts val="1000"/>
+              </a:spcBef>
+              <a:buFont typeface="Arial" panose="020B0604020202020204" pitchFamily="34" charset="0"/>
+              <a:buChar char="•"/>
+              <a:defRPr sz="2800" kern="1200">
+                <a:solidFill>
+                  <a:schemeClr val="tx1"/>
+                </a:solidFill>
+                <a:latin typeface="+mn-lt"/>
+                <a:ea typeface="+mn-ea"/>
+                <a:cs typeface="+mn-cs"/>
+              </a:defRPr>
+            </a:lvl1pPr>
+            <a:lvl2pPr marL="685800" indent="-228600" algn="l" defTabSz="914400" rtl="0" eaLnBrk="1" latinLnBrk="0" hangingPunct="1">
+              <a:lnSpc>
+                <a:spcPct val="90000"/>
+              </a:lnSpc>
+              <a:spcBef>
+                <a:spcPts val="500"/>
+              </a:spcBef>
+              <a:buFont typeface="Arial" panose="020B0604020202020204" pitchFamily="34" charset="0"/>
+              <a:buChar char="•"/>
+              <a:defRPr sz="2400" kern="1200">
+                <a:solidFill>
+                  <a:schemeClr val="tx1"/>
+                </a:solidFill>
+                <a:latin typeface="+mn-lt"/>
+                <a:ea typeface="+mn-ea"/>
+                <a:cs typeface="+mn-cs"/>
+              </a:defRPr>
+            </a:lvl2pPr>
+            <a:lvl3pPr marL="1143000" indent="-228600" algn="l" defTabSz="914400" rtl="0" eaLnBrk="1" latinLnBrk="0" hangingPunct="1">
+              <a:lnSpc>
+                <a:spcPct val="90000"/>
+              </a:lnSpc>
+              <a:spcBef>
+                <a:spcPts val="500"/>
+              </a:spcBef>
+              <a:buFont typeface="Arial" panose="020B0604020202020204" pitchFamily="34" charset="0"/>
+              <a:buChar char="•"/>
+              <a:defRPr sz="2000" kern="1200">
+                <a:solidFill>
+                  <a:schemeClr val="tx1"/>
+                </a:solidFill>
+                <a:latin typeface="+mn-lt"/>
+                <a:ea typeface="+mn-ea"/>
+                <a:cs typeface="+mn-cs"/>
+              </a:defRPr>
+            </a:lvl3pPr>
+            <a:lvl4pPr marL="1600200" indent="-228600" algn="l" defTabSz="914400" rtl="0" eaLnBrk="1" latinLnBrk="0" hangingPunct="1">
+              <a:lnSpc>
+                <a:spcPct val="90000"/>
+              </a:lnSpc>
+              <a:spcBef>
+                <a:spcPts val="500"/>
+              </a:spcBef>
+              <a:buFont typeface="Arial" panose="020B0604020202020204" pitchFamily="34" charset="0"/>
+              <a:buChar char="•"/>
+              <a:defRPr sz="1800" kern="1200">
+                <a:solidFill>
+                  <a:schemeClr val="tx1"/>
+                </a:solidFill>
+                <a:latin typeface="+mn-lt"/>
+                <a:ea typeface="+mn-ea"/>
+                <a:cs typeface="+mn-cs"/>
+              </a:defRPr>
+            </a:lvl4pPr>
+            <a:lvl5pPr marL="2057400" indent="-228600" algn="l" defTabSz="914400" rtl="0" eaLnBrk="1" latinLnBrk="0" hangingPunct="1">
+              <a:lnSpc>
+                <a:spcPct val="90000"/>
+              </a:lnSpc>
+              <a:spcBef>
+                <a:spcPts val="500"/>
+              </a:spcBef>
+              <a:buFont typeface="Arial" panose="020B0604020202020204" pitchFamily="34" charset="0"/>
+              <a:buChar char="•"/>
+              <a:defRPr sz="1800" kern="1200">
+                <a:solidFill>
+                  <a:schemeClr val="tx1"/>
+                </a:solidFill>
+                <a:latin typeface="+mn-lt"/>
+                <a:ea typeface="+mn-ea"/>
+                <a:cs typeface="+mn-cs"/>
+              </a:defRPr>
+            </a:lvl5pPr>
+            <a:lvl6pPr marL="2514600" indent="-228600" algn="l" defTabSz="914400" rtl="0" eaLnBrk="1" latinLnBrk="0" hangingPunct="1">
+              <a:lnSpc>
+                <a:spcPct val="90000"/>
+              </a:lnSpc>
+              <a:spcBef>
+                <a:spcPts val="500"/>
+              </a:spcBef>
+              <a:buFont typeface="Arial" panose="020B0604020202020204" pitchFamily="34" charset="0"/>
+              <a:buChar char="•"/>
+              <a:defRPr sz="1800" kern="1200">
+                <a:solidFill>
+                  <a:schemeClr val="tx1"/>
+                </a:solidFill>
+                <a:latin typeface="+mn-lt"/>
+                <a:ea typeface="+mn-ea"/>
+                <a:cs typeface="+mn-cs"/>
+              </a:defRPr>
+            </a:lvl6pPr>
+            <a:lvl7pPr marL="2971800" indent="-228600" algn="l" defTabSz="914400" rtl="0" eaLnBrk="1" latinLnBrk="0" hangingPunct="1">
+              <a:lnSpc>
+                <a:spcPct val="90000"/>
+              </a:lnSpc>
+              <a:spcBef>
+                <a:spcPts val="500"/>
+              </a:spcBef>
+              <a:buFont typeface="Arial" panose="020B0604020202020204" pitchFamily="34" charset="0"/>
+              <a:buChar char="•"/>
+              <a:defRPr sz="1800" kern="1200">
+                <a:solidFill>
+                  <a:schemeClr val="tx1"/>
+                </a:solidFill>
+                <a:latin typeface="+mn-lt"/>
+                <a:ea typeface="+mn-ea"/>
+                <a:cs typeface="+mn-cs"/>
+              </a:defRPr>
+            </a:lvl7pPr>
+            <a:lvl8pPr marL="3429000" indent="-228600" algn="l" defTabSz="914400" rtl="0" eaLnBrk="1" latinLnBrk="0" hangingPunct="1">
+              <a:lnSpc>
+                <a:spcPct val="90000"/>
+              </a:lnSpc>
+              <a:spcBef>
+                <a:spcPts val="500"/>
+              </a:spcBef>
+              <a:buFont typeface="Arial" panose="020B0604020202020204" pitchFamily="34" charset="0"/>
+              <a:buChar char="•"/>
+              <a:defRPr sz="1800" kern="1200">
+                <a:solidFill>
+                  <a:schemeClr val="tx1"/>
+                </a:solidFill>
+                <a:latin typeface="+mn-lt"/>
+                <a:ea typeface="+mn-ea"/>
+                <a:cs typeface="+mn-cs"/>
+              </a:defRPr>
+            </a:lvl8pPr>
+            <a:lvl9pPr marL="3886200" indent="-228600" algn="l" defTabSz="914400" rtl="0" eaLnBrk="1" latinLnBrk="0" hangingPunct="1">
+              <a:lnSpc>
+                <a:spcPct val="90000"/>
+              </a:lnSpc>
+              <a:spcBef>
+                <a:spcPts val="500"/>
+              </a:spcBef>
+              <a:buFont typeface="Arial" panose="020B0604020202020204" pitchFamily="34" charset="0"/>
+              <a:buChar char="•"/>
+              <a:defRPr sz="1800" kern="1200">
+                <a:solidFill>
+                  <a:schemeClr val="tx1"/>
+                </a:solidFill>
+                <a:latin typeface="+mn-lt"/>
+                <a:ea typeface="+mn-ea"/>
+                <a:cs typeface="+mn-cs"/>
+              </a:defRPr>
+            </a:lvl9pPr>
+          </a:lstStyle>
+          <a:p>
+            <a:r>
+              <a:rPr lang="es-CO" sz="2000" dirty="0" err="1"/>
+              <a:t>Less</a:t>
+            </a:r>
+            <a:r>
+              <a:rPr lang="es-CO" sz="2000" dirty="0"/>
+              <a:t> </a:t>
+            </a:r>
+            <a:r>
+              <a:rPr lang="es-CO" sz="2000" dirty="0" err="1"/>
+              <a:t>developer</a:t>
+            </a:r>
+            <a:r>
+              <a:rPr lang="es-CO" sz="2000" dirty="0"/>
+              <a:t> time </a:t>
+            </a:r>
+            <a:r>
+              <a:rPr lang="es-CO" sz="2000" dirty="0" err="1"/>
+              <a:t>on</a:t>
+            </a:r>
+            <a:r>
+              <a:rPr lang="es-CO" sz="2000" dirty="0"/>
+              <a:t> </a:t>
+            </a:r>
+            <a:r>
+              <a:rPr lang="es-CO" sz="2000" dirty="0" err="1"/>
+              <a:t>issues</a:t>
+            </a:r>
+            <a:endParaRPr lang="es-CO" sz="2000" dirty="0"/>
+          </a:p>
+          <a:p>
+            <a:r>
+              <a:rPr lang="es-CO" sz="2000" dirty="0" err="1"/>
+              <a:t>Less</a:t>
+            </a:r>
+            <a:r>
+              <a:rPr lang="es-CO" sz="2000" dirty="0"/>
+              <a:t> </a:t>
+            </a:r>
+            <a:r>
+              <a:rPr lang="es-CO" sz="2000" dirty="0" err="1"/>
+              <a:t>infrastructure</a:t>
+            </a:r>
+            <a:r>
+              <a:rPr lang="es-CO" sz="2000" dirty="0"/>
+              <a:t> </a:t>
+            </a:r>
+            <a:r>
+              <a:rPr lang="es-CO" sz="2000" dirty="0" err="1"/>
+              <a:t>costs</a:t>
+            </a:r>
+            <a:endParaRPr lang="es-CO" sz="2000" dirty="0"/>
+          </a:p>
+          <a:p>
+            <a:endParaRPr lang="es-CO" dirty="0"/>
+          </a:p>
+        </p:txBody>
+      </p:sp>
+      <p:sp>
+        <p:nvSpPr>
+          <p:cNvPr id="15" name="TextBox 14">
+            <a:extLst>
+              <a:ext uri="{FF2B5EF4-FFF2-40B4-BE49-F238E27FC236}">
+                <a16:creationId xmlns:a16="http://schemas.microsoft.com/office/drawing/2014/main" id="{F44A2E31-DC11-4261-83FE-65490F2E09A8}"/>
+              </a:ext>
+            </a:extLst>
+          </p:cNvPr>
+          <p:cNvSpPr txBox="1"/>
+          <p:nvPr/>
+        </p:nvSpPr>
+        <p:spPr>
+          <a:xfrm>
+            <a:off x="8448562" y="2533402"/>
+            <a:ext cx="3319755" cy="707886"/>
+          </a:xfrm>
+          <a:prstGeom prst="rect">
+            <a:avLst/>
+          </a:prstGeom>
+          <a:noFill/>
+        </p:spPr>
+        <p:txBody>
+          <a:bodyPr wrap="none" rtlCol="0">
+            <a:spAutoFit/>
+          </a:bodyPr>
+          <a:lstStyle/>
+          <a:p>
+            <a:r>
+              <a:rPr lang="es-CO" sz="4000" dirty="0" err="1"/>
+              <a:t>Cost</a:t>
+            </a:r>
+            <a:r>
+              <a:rPr lang="es-CO" sz="4000" dirty="0"/>
+              <a:t> </a:t>
+            </a:r>
+            <a:r>
+              <a:rPr lang="es-CO" sz="4000" dirty="0" err="1"/>
+              <a:t>Reduction</a:t>
+            </a:r>
+            <a:endParaRPr lang="en-GB" sz="4000" dirty="0"/>
+          </a:p>
+        </p:txBody>
+      </p:sp>
+      <p:sp>
+        <p:nvSpPr>
+          <p:cNvPr id="17" name="TextBox 16">
+            <a:extLst>
+              <a:ext uri="{FF2B5EF4-FFF2-40B4-BE49-F238E27FC236}">
+                <a16:creationId xmlns:a16="http://schemas.microsoft.com/office/drawing/2014/main" id="{8184C996-3F09-4B93-B634-B9A341B98C6D}"/>
+              </a:ext>
+            </a:extLst>
+          </p:cNvPr>
+          <p:cNvSpPr txBox="1"/>
+          <p:nvPr/>
+        </p:nvSpPr>
+        <p:spPr>
+          <a:xfrm>
+            <a:off x="4411468" y="2533402"/>
+            <a:ext cx="3369064" cy="707886"/>
+          </a:xfrm>
+          <a:prstGeom prst="rect">
+            <a:avLst/>
+          </a:prstGeom>
+          <a:noFill/>
+        </p:spPr>
+        <p:txBody>
+          <a:bodyPr wrap="none" rtlCol="0">
+            <a:spAutoFit/>
+          </a:bodyPr>
+          <a:lstStyle/>
+          <a:p>
+            <a:r>
+              <a:rPr lang="es-CO" sz="4000" dirty="0" err="1"/>
+              <a:t>Cost</a:t>
+            </a:r>
+            <a:r>
+              <a:rPr lang="es-CO" sz="4000" dirty="0"/>
+              <a:t> </a:t>
+            </a:r>
+            <a:r>
+              <a:rPr lang="es-CO" sz="4000" dirty="0" err="1"/>
+              <a:t>Avoidance</a:t>
+            </a:r>
+            <a:endParaRPr lang="en-GB" sz="4000" dirty="0"/>
+          </a:p>
+        </p:txBody>
+      </p:sp>
+      <p:pic>
+        <p:nvPicPr>
+          <p:cNvPr id="19" name="Graphic 18">
+            <a:extLst>
+              <a:ext uri="{FF2B5EF4-FFF2-40B4-BE49-F238E27FC236}">
+                <a16:creationId xmlns:a16="http://schemas.microsoft.com/office/drawing/2014/main" id="{2FE0CD2D-69DF-41A0-A474-BC9ABA5CD85A}"/>
+              </a:ext>
+            </a:extLst>
+          </p:cNvPr>
+          <p:cNvPicPr>
+            <a:picLocks noChangeAspect="1"/>
+          </p:cNvPicPr>
+          <p:nvPr/>
+        </p:nvPicPr>
+        <p:blipFill>
+          <a:blip r:embed="rId2">
+            <a:extLst>
+              <a:ext uri="{28A0092B-C50C-407E-A947-70E740481C1C}">
+                <a14:useLocalDpi xmlns:a14="http://schemas.microsoft.com/office/drawing/2010/main" val="0"/>
+              </a:ext>
+              <a:ext uri="{96DAC541-7B7A-43D3-8B79-37D633B846F1}">
+                <asvg:svgBlip xmlns:asvg="http://schemas.microsoft.com/office/drawing/2016/SVG/main" r:embed="rId3"/>
+              </a:ext>
+            </a:extLst>
+          </a:blip>
+          <a:stretch>
+            <a:fillRect/>
+          </a:stretch>
+        </p:blipFill>
+        <p:spPr>
+          <a:xfrm>
+            <a:off x="5158188" y="510207"/>
+            <a:ext cx="1875624" cy="1875624"/>
+          </a:xfrm>
+          <a:prstGeom prst="rect">
+            <a:avLst/>
+          </a:prstGeom>
+        </p:spPr>
+      </p:pic>
+      <p:pic>
+        <p:nvPicPr>
+          <p:cNvPr id="21" name="Graphic 20">
+            <a:extLst>
+              <a:ext uri="{FF2B5EF4-FFF2-40B4-BE49-F238E27FC236}">
+                <a16:creationId xmlns:a16="http://schemas.microsoft.com/office/drawing/2014/main" id="{A2CC739C-4A88-4BFD-AB0E-54BF769332DA}"/>
+              </a:ext>
+            </a:extLst>
+          </p:cNvPr>
+          <p:cNvPicPr>
+            <a:picLocks noChangeAspect="1"/>
+          </p:cNvPicPr>
+          <p:nvPr/>
+        </p:nvPicPr>
+        <p:blipFill>
+          <a:blip r:embed="rId4">
+            <a:extLst>
+              <a:ext uri="{28A0092B-C50C-407E-A947-70E740481C1C}">
+                <a14:useLocalDpi xmlns:a14="http://schemas.microsoft.com/office/drawing/2010/main" val="0"/>
+              </a:ext>
+              <a:ext uri="{96DAC541-7B7A-43D3-8B79-37D633B846F1}">
+                <asvg:svgBlip xmlns:asvg="http://schemas.microsoft.com/office/drawing/2016/SVG/main" r:embed="rId5"/>
+              </a:ext>
+            </a:extLst>
+          </a:blip>
+          <a:stretch>
+            <a:fillRect/>
+          </a:stretch>
+        </p:blipFill>
+        <p:spPr>
+          <a:xfrm>
+            <a:off x="9078283" y="510207"/>
+            <a:ext cx="1875624" cy="1875624"/>
+          </a:xfrm>
+          <a:prstGeom prst="rect">
+            <a:avLst/>
+          </a:prstGeom>
+        </p:spPr>
+      </p:pic>
     </p:spTree>
     <p:extLst>
       <p:ext uri="{BB962C8B-B14F-4D97-AF65-F5344CB8AC3E}">
         <p14:creationId xmlns:p14="http://schemas.microsoft.com/office/powerpoint/2010/main" val="1674618205"/>
+      </p:ext>
+    </p:extLst>
+  </p:cSld>
+  <p:clrMapOvr>
+    <a:masterClrMapping/>
+  </p:clrMapOvr>
+</p:sld>
+</file>
+
+<file path=ppt/slides/slide4.xml><?xml version="1.0" encoding="utf-8"?>
+<p:sld xmlns:a="http://schemas.openxmlformats.org/drawingml/2006/main" xmlns:r="http://schemas.openxmlformats.org/officeDocument/2006/relationships" xmlns:p="http://schemas.openxmlformats.org/presentationml/2006/main">
+  <p:cSld>
+    <p:bg>
+      <p:bgPr>
+        <a:solidFill>
+          <a:srgbClr val="FFD966"/>
+        </a:solidFill>
+        <a:effectLst/>
+      </p:bgPr>
+    </p:bg>
+    <p:spTree>
+      <p:nvGrpSpPr>
+        <p:cNvPr id="1" name=""/>
+        <p:cNvGrpSpPr/>
+        <p:nvPr/>
+      </p:nvGrpSpPr>
+      <p:grpSpPr>
+        <a:xfrm>
+          <a:off x="0" y="0"/>
+          <a:ext cx="0" cy="0"/>
+          <a:chOff x="0" y="0"/>
+          <a:chExt cx="0" cy="0"/>
+        </a:xfrm>
+      </p:grpSpPr>
+      <p:sp>
+        <p:nvSpPr>
+          <p:cNvPr id="10" name="Rectangle 9">
+            <a:extLst>
+              <a:ext uri="{FF2B5EF4-FFF2-40B4-BE49-F238E27FC236}">
+                <a16:creationId xmlns:a16="http://schemas.microsoft.com/office/drawing/2014/main" id="{4C608BEB-860E-4094-8511-78603564A75E}"/>
+              </a:ext>
+              <a:ext uri="{C183D7F6-B498-43B3-948B-1728B52AA6E4}">
+                <adec:decorative xmlns:adec="http://schemas.microsoft.com/office/drawing/2017/decorative" val="1"/>
+              </a:ext>
+            </a:extLst>
+          </p:cNvPr>
+          <p:cNvSpPr>
+            <a:spLocks noGrp="1" noRot="1" noChangeAspect="1" noMove="1" noResize="1" noEditPoints="1" noAdjustHandles="1" noChangeArrowheads="1" noChangeShapeType="1" noTextEdit="1"/>
+          </p:cNvSpPr>
+          <p:nvPr>
+            <p:extLst>
+              <p:ext uri="{386F3935-93C4-4BCD-93E2-E3B085C9AB24}">
+                <p16:designElem xmlns:p16="http://schemas.microsoft.com/office/powerpoint/2015/main" val="1"/>
+              </p:ext>
+            </p:extLst>
+          </p:nvPr>
+        </p:nvSpPr>
+        <p:spPr>
+          <a:xfrm>
+            <a:off x="0" y="0"/>
+            <a:ext cx="4059050" cy="6858000"/>
+          </a:xfrm>
+          <a:prstGeom prst="rect">
+            <a:avLst/>
+          </a:prstGeom>
+          <a:solidFill>
+            <a:srgbClr val="404040"/>
+          </a:solidFill>
+          <a:ln>
+            <a:noFill/>
+          </a:ln>
+        </p:spPr>
+        <p:style>
+          <a:lnRef idx="2">
+            <a:schemeClr val="accent1">
+              <a:shade val="50000"/>
+            </a:schemeClr>
+          </a:lnRef>
+          <a:fillRef idx="1">
+            <a:schemeClr val="accent1"/>
+          </a:fillRef>
+          <a:effectRef idx="0">
+            <a:schemeClr val="accent1"/>
+          </a:effectRef>
+          <a:fontRef idx="minor">
+            <a:schemeClr val="lt1"/>
+          </a:fontRef>
+        </p:style>
+        <p:txBody>
+          <a:bodyPr rtlCol="0" anchor="ctr"/>
+          <a:lstStyle/>
+          <a:p>
+            <a:pPr marL="0" marR="0" lvl="0" indent="0" algn="ctr" defTabSz="914400" rtl="0" eaLnBrk="1" fontAlgn="auto" latinLnBrk="0" hangingPunct="1">
+              <a:lnSpc>
+                <a:spcPct val="100000"/>
+              </a:lnSpc>
+              <a:spcBef>
+                <a:spcPts val="0"/>
+              </a:spcBef>
+              <a:spcAft>
+                <a:spcPts val="0"/>
+              </a:spcAft>
+              <a:buClrTx/>
+              <a:buSzTx/>
+              <a:buFontTx/>
+              <a:buNone/>
+              <a:tabLst/>
+              <a:defRPr/>
+            </a:pPr>
+            <a:endParaRPr kumimoji="0" lang="en-US" sz="1800" b="0" i="0" u="none" strike="noStrike" kern="1200" cap="none" spc="0" normalizeH="0" baseline="0" noProof="0">
+              <a:ln>
+                <a:noFill/>
+              </a:ln>
+              <a:solidFill>
+                <a:prstClr val="white"/>
+              </a:solidFill>
+              <a:effectLst/>
+              <a:uLnTx/>
+              <a:uFillTx/>
+              <a:latin typeface="Calibri" panose="020F0502020204030204"/>
+              <a:ea typeface="+mn-ea"/>
+              <a:cs typeface="+mn-cs"/>
+            </a:endParaRPr>
+          </a:p>
+        </p:txBody>
+      </p:sp>
+      <p:sp>
+        <p:nvSpPr>
+          <p:cNvPr id="2" name="Title 1">
+            <a:extLst>
+              <a:ext uri="{FF2B5EF4-FFF2-40B4-BE49-F238E27FC236}">
+                <a16:creationId xmlns:a16="http://schemas.microsoft.com/office/drawing/2014/main" id="{7A267668-9FAC-48FD-96CF-D6D96B1C93FC}"/>
+              </a:ext>
+            </a:extLst>
+          </p:cNvPr>
+          <p:cNvSpPr>
+            <a:spLocks noGrp="1"/>
+          </p:cNvSpPr>
+          <p:nvPr>
+            <p:ph type="title"/>
+          </p:nvPr>
+        </p:nvSpPr>
+        <p:spPr>
+          <a:xfrm>
+            <a:off x="838200" y="1412488"/>
+            <a:ext cx="2899189" cy="4363844"/>
+          </a:xfrm>
+        </p:spPr>
+        <p:txBody>
+          <a:bodyPr vert="horz" lIns="91440" tIns="45720" rIns="91440" bIns="45720" rtlCol="0" anchor="t">
+            <a:normAutofit/>
+          </a:bodyPr>
+          <a:lstStyle/>
+          <a:p>
+            <a:r>
+              <a:rPr lang="en-US" sz="4000" kern="1200" dirty="0">
+                <a:solidFill>
+                  <a:srgbClr val="FFFFFF"/>
+                </a:solidFill>
+                <a:latin typeface="+mj-lt"/>
+                <a:ea typeface="+mj-ea"/>
+                <a:cs typeface="+mj-cs"/>
+              </a:rPr>
+              <a:t>What do we win?</a:t>
+            </a:r>
+          </a:p>
+        </p:txBody>
+      </p:sp>
+      <p:sp>
+        <p:nvSpPr>
+          <p:cNvPr id="3" name="Content Placeholder 2">
+            <a:extLst>
+              <a:ext uri="{FF2B5EF4-FFF2-40B4-BE49-F238E27FC236}">
+                <a16:creationId xmlns:a16="http://schemas.microsoft.com/office/drawing/2014/main" id="{98A5CEED-A9CA-4969-BCCD-E1B6AABA7668}"/>
+              </a:ext>
+            </a:extLst>
+          </p:cNvPr>
+          <p:cNvSpPr>
+            <a:spLocks noGrp="1"/>
+          </p:cNvSpPr>
+          <p:nvPr>
+            <p:ph idx="1"/>
+          </p:nvPr>
+        </p:nvSpPr>
+        <p:spPr>
+          <a:xfrm>
+            <a:off x="4383898" y="3432650"/>
+            <a:ext cx="3427283" cy="1977331"/>
+          </a:xfrm>
+        </p:spPr>
+        <p:txBody>
+          <a:bodyPr vert="horz" lIns="91440" tIns="45720" rIns="91440" bIns="45720" rtlCol="0">
+            <a:normAutofit/>
+          </a:bodyPr>
+          <a:lstStyle/>
+          <a:p>
+            <a:r>
+              <a:rPr lang="en-US" sz="2000" dirty="0"/>
+              <a:t>Less time to market</a:t>
+            </a:r>
+          </a:p>
+          <a:p>
+            <a:r>
+              <a:rPr lang="en-US" sz="2000" dirty="0"/>
+              <a:t>New value-generating features released to market</a:t>
+            </a:r>
+          </a:p>
+        </p:txBody>
+      </p:sp>
+      <p:cxnSp>
+        <p:nvCxnSpPr>
+          <p:cNvPr id="12" name="Straight Connector 11">
+            <a:extLst>
+              <a:ext uri="{FF2B5EF4-FFF2-40B4-BE49-F238E27FC236}">
+                <a16:creationId xmlns:a16="http://schemas.microsoft.com/office/drawing/2014/main" id="{1F16A8D4-FE87-4604-88B2-394B5D1EB437}"/>
+              </a:ext>
+              <a:ext uri="{C183D7F6-B498-43B3-948B-1728B52AA6E4}">
+                <adec:decorative xmlns:adec="http://schemas.microsoft.com/office/drawing/2017/decorative" val="1"/>
+              </a:ext>
+            </a:extLst>
+          </p:cNvPr>
+          <p:cNvCxnSpPr>
+            <a:cxnSpLocks noGrp="1" noRot="1" noChangeAspect="1" noMove="1" noResize="1" noEditPoints="1" noAdjustHandles="1" noChangeArrowheads="1" noChangeShapeType="1"/>
+          </p:cNvCxnSpPr>
+          <p:nvPr>
+            <p:extLst>
+              <p:ext uri="{386F3935-93C4-4BCD-93E2-E3B085C9AB24}">
+                <p16:designElem xmlns:p16="http://schemas.microsoft.com/office/powerpoint/2015/main" val="1"/>
+              </p:ext>
+            </p:extLst>
+          </p:nvPr>
+        </p:nvCxnSpPr>
+        <p:spPr>
+          <a:xfrm>
+            <a:off x="8129871" y="1412488"/>
+            <a:ext cx="0" cy="3657600"/>
+          </a:xfrm>
+          <a:prstGeom prst="line">
+            <a:avLst/>
+          </a:prstGeom>
+          <a:ln w="12700">
+            <a:solidFill>
+              <a:schemeClr val="tx1">
+                <a:lumMod val="50000"/>
+                <a:lumOff val="50000"/>
+              </a:schemeClr>
+            </a:solidFill>
+          </a:ln>
+        </p:spPr>
+        <p:style>
+          <a:lnRef idx="1">
+            <a:schemeClr val="accent1"/>
+          </a:lnRef>
+          <a:fillRef idx="0">
+            <a:schemeClr val="accent1"/>
+          </a:fillRef>
+          <a:effectRef idx="0">
+            <a:schemeClr val="accent1"/>
+          </a:effectRef>
+          <a:fontRef idx="minor">
+            <a:schemeClr val="tx1"/>
+          </a:fontRef>
+        </p:style>
+      </p:cxnSp>
+      <p:sp>
+        <p:nvSpPr>
+          <p:cNvPr id="11" name="Content Placeholder 2">
+            <a:extLst>
+              <a:ext uri="{FF2B5EF4-FFF2-40B4-BE49-F238E27FC236}">
+                <a16:creationId xmlns:a16="http://schemas.microsoft.com/office/drawing/2014/main" id="{18FD5BB3-EAC8-4B8E-B69E-A17E7B5035BB}"/>
+              </a:ext>
+            </a:extLst>
+          </p:cNvPr>
+          <p:cNvSpPr txBox="1">
+            <a:spLocks/>
+          </p:cNvSpPr>
+          <p:nvPr/>
+        </p:nvSpPr>
+        <p:spPr>
+          <a:xfrm>
+            <a:off x="8448562" y="3432650"/>
+            <a:ext cx="3903482" cy="2307915"/>
+          </a:xfrm>
+          <a:prstGeom prst="rect">
+            <a:avLst/>
+          </a:prstGeom>
+        </p:spPr>
+        <p:txBody>
+          <a:bodyPr vert="horz" lIns="91440" tIns="45720" rIns="91440" bIns="45720" rtlCol="0">
+            <a:normAutofit/>
+          </a:bodyPr>
+          <a:lstStyle>
+            <a:lvl1pPr marL="228600" indent="-228600" algn="l" defTabSz="914400" rtl="0" eaLnBrk="1" latinLnBrk="0" hangingPunct="1">
+              <a:lnSpc>
+                <a:spcPct val="90000"/>
+              </a:lnSpc>
+              <a:spcBef>
+                <a:spcPts val="1000"/>
+              </a:spcBef>
+              <a:buFont typeface="Arial" panose="020B0604020202020204" pitchFamily="34" charset="0"/>
+              <a:buChar char="•"/>
+              <a:defRPr sz="2800" kern="1200">
+                <a:solidFill>
+                  <a:schemeClr val="tx1"/>
+                </a:solidFill>
+                <a:latin typeface="+mn-lt"/>
+                <a:ea typeface="+mn-ea"/>
+                <a:cs typeface="+mn-cs"/>
+              </a:defRPr>
+            </a:lvl1pPr>
+            <a:lvl2pPr marL="685800" indent="-228600" algn="l" defTabSz="914400" rtl="0" eaLnBrk="1" latinLnBrk="0" hangingPunct="1">
+              <a:lnSpc>
+                <a:spcPct val="90000"/>
+              </a:lnSpc>
+              <a:spcBef>
+                <a:spcPts val="500"/>
+              </a:spcBef>
+              <a:buFont typeface="Arial" panose="020B0604020202020204" pitchFamily="34" charset="0"/>
+              <a:buChar char="•"/>
+              <a:defRPr sz="2400" kern="1200">
+                <a:solidFill>
+                  <a:schemeClr val="tx1"/>
+                </a:solidFill>
+                <a:latin typeface="+mn-lt"/>
+                <a:ea typeface="+mn-ea"/>
+                <a:cs typeface="+mn-cs"/>
+              </a:defRPr>
+            </a:lvl2pPr>
+            <a:lvl3pPr marL="1143000" indent="-228600" algn="l" defTabSz="914400" rtl="0" eaLnBrk="1" latinLnBrk="0" hangingPunct="1">
+              <a:lnSpc>
+                <a:spcPct val="90000"/>
+              </a:lnSpc>
+              <a:spcBef>
+                <a:spcPts val="500"/>
+              </a:spcBef>
+              <a:buFont typeface="Arial" panose="020B0604020202020204" pitchFamily="34" charset="0"/>
+              <a:buChar char="•"/>
+              <a:defRPr sz="2000" kern="1200">
+                <a:solidFill>
+                  <a:schemeClr val="tx1"/>
+                </a:solidFill>
+                <a:latin typeface="+mn-lt"/>
+                <a:ea typeface="+mn-ea"/>
+                <a:cs typeface="+mn-cs"/>
+              </a:defRPr>
+            </a:lvl3pPr>
+            <a:lvl4pPr marL="1600200" indent="-228600" algn="l" defTabSz="914400" rtl="0" eaLnBrk="1" latinLnBrk="0" hangingPunct="1">
+              <a:lnSpc>
+                <a:spcPct val="90000"/>
+              </a:lnSpc>
+              <a:spcBef>
+                <a:spcPts val="500"/>
+              </a:spcBef>
+              <a:buFont typeface="Arial" panose="020B0604020202020204" pitchFamily="34" charset="0"/>
+              <a:buChar char="•"/>
+              <a:defRPr sz="1800" kern="1200">
+                <a:solidFill>
+                  <a:schemeClr val="tx1"/>
+                </a:solidFill>
+                <a:latin typeface="+mn-lt"/>
+                <a:ea typeface="+mn-ea"/>
+                <a:cs typeface="+mn-cs"/>
+              </a:defRPr>
+            </a:lvl4pPr>
+            <a:lvl5pPr marL="2057400" indent="-228600" algn="l" defTabSz="914400" rtl="0" eaLnBrk="1" latinLnBrk="0" hangingPunct="1">
+              <a:lnSpc>
+                <a:spcPct val="90000"/>
+              </a:lnSpc>
+              <a:spcBef>
+                <a:spcPts val="500"/>
+              </a:spcBef>
+              <a:buFont typeface="Arial" panose="020B0604020202020204" pitchFamily="34" charset="0"/>
+              <a:buChar char="•"/>
+              <a:defRPr sz="1800" kern="1200">
+                <a:solidFill>
+                  <a:schemeClr val="tx1"/>
+                </a:solidFill>
+                <a:latin typeface="+mn-lt"/>
+                <a:ea typeface="+mn-ea"/>
+                <a:cs typeface="+mn-cs"/>
+              </a:defRPr>
+            </a:lvl5pPr>
+            <a:lvl6pPr marL="2514600" indent="-228600" algn="l" defTabSz="914400" rtl="0" eaLnBrk="1" latinLnBrk="0" hangingPunct="1">
+              <a:lnSpc>
+                <a:spcPct val="90000"/>
+              </a:lnSpc>
+              <a:spcBef>
+                <a:spcPts val="500"/>
+              </a:spcBef>
+              <a:buFont typeface="Arial" panose="020B0604020202020204" pitchFamily="34" charset="0"/>
+              <a:buChar char="•"/>
+              <a:defRPr sz="1800" kern="1200">
+                <a:solidFill>
+                  <a:schemeClr val="tx1"/>
+                </a:solidFill>
+                <a:latin typeface="+mn-lt"/>
+                <a:ea typeface="+mn-ea"/>
+                <a:cs typeface="+mn-cs"/>
+              </a:defRPr>
+            </a:lvl6pPr>
+            <a:lvl7pPr marL="2971800" indent="-228600" algn="l" defTabSz="914400" rtl="0" eaLnBrk="1" latinLnBrk="0" hangingPunct="1">
+              <a:lnSpc>
+                <a:spcPct val="90000"/>
+              </a:lnSpc>
+              <a:spcBef>
+                <a:spcPts val="500"/>
+              </a:spcBef>
+              <a:buFont typeface="Arial" panose="020B0604020202020204" pitchFamily="34" charset="0"/>
+              <a:buChar char="•"/>
+              <a:defRPr sz="1800" kern="1200">
+                <a:solidFill>
+                  <a:schemeClr val="tx1"/>
+                </a:solidFill>
+                <a:latin typeface="+mn-lt"/>
+                <a:ea typeface="+mn-ea"/>
+                <a:cs typeface="+mn-cs"/>
+              </a:defRPr>
+            </a:lvl7pPr>
+            <a:lvl8pPr marL="3429000" indent="-228600" algn="l" defTabSz="914400" rtl="0" eaLnBrk="1" latinLnBrk="0" hangingPunct="1">
+              <a:lnSpc>
+                <a:spcPct val="90000"/>
+              </a:lnSpc>
+              <a:spcBef>
+                <a:spcPts val="500"/>
+              </a:spcBef>
+              <a:buFont typeface="Arial" panose="020B0604020202020204" pitchFamily="34" charset="0"/>
+              <a:buChar char="•"/>
+              <a:defRPr sz="1800" kern="1200">
+                <a:solidFill>
+                  <a:schemeClr val="tx1"/>
+                </a:solidFill>
+                <a:latin typeface="+mn-lt"/>
+                <a:ea typeface="+mn-ea"/>
+                <a:cs typeface="+mn-cs"/>
+              </a:defRPr>
+            </a:lvl8pPr>
+            <a:lvl9pPr marL="3886200" indent="-228600" algn="l" defTabSz="914400" rtl="0" eaLnBrk="1" latinLnBrk="0" hangingPunct="1">
+              <a:lnSpc>
+                <a:spcPct val="90000"/>
+              </a:lnSpc>
+              <a:spcBef>
+                <a:spcPts val="500"/>
+              </a:spcBef>
+              <a:buFont typeface="Arial" panose="020B0604020202020204" pitchFamily="34" charset="0"/>
+              <a:buChar char="•"/>
+              <a:defRPr sz="1800" kern="1200">
+                <a:solidFill>
+                  <a:schemeClr val="tx1"/>
+                </a:solidFill>
+                <a:latin typeface="+mn-lt"/>
+                <a:ea typeface="+mn-ea"/>
+                <a:cs typeface="+mn-cs"/>
+              </a:defRPr>
+            </a:lvl9pPr>
+          </a:lstStyle>
+          <a:p>
+            <a:r>
+              <a:rPr lang="es-CO" sz="2000" dirty="0"/>
+              <a:t>Reduce </a:t>
+            </a:r>
+            <a:r>
+              <a:rPr lang="es-CO" sz="2000" dirty="0" err="1"/>
+              <a:t>downtime</a:t>
+            </a:r>
+            <a:r>
+              <a:rPr lang="es-CO" sz="2000" dirty="0"/>
+              <a:t> </a:t>
+            </a:r>
+            <a:r>
+              <a:rPr lang="es-CO" sz="2000" dirty="0" err="1"/>
+              <a:t>from</a:t>
+            </a:r>
+            <a:r>
+              <a:rPr lang="es-CO" sz="2000" dirty="0"/>
+              <a:t> </a:t>
+            </a:r>
+            <a:r>
+              <a:rPr lang="es-CO" sz="2000" dirty="0" err="1"/>
+              <a:t>deployment</a:t>
+            </a:r>
+            <a:r>
+              <a:rPr lang="es-CO" sz="2000" dirty="0"/>
+              <a:t> </a:t>
+            </a:r>
+            <a:r>
+              <a:rPr lang="es-CO" sz="2000" dirty="0" err="1"/>
+              <a:t>failures</a:t>
+            </a:r>
+            <a:endParaRPr lang="es-CO" sz="2000" dirty="0"/>
+          </a:p>
+          <a:p>
+            <a:r>
+              <a:rPr lang="es-CO" sz="2000" dirty="0" err="1"/>
+              <a:t>Keep</a:t>
+            </a:r>
+            <a:r>
+              <a:rPr lang="es-CO" sz="2000" dirty="0"/>
+              <a:t> </a:t>
+            </a:r>
+            <a:r>
+              <a:rPr lang="es-CO" sz="2000" dirty="0" err="1"/>
+              <a:t>the</a:t>
+            </a:r>
+            <a:r>
+              <a:rPr lang="es-CO" sz="2000" dirty="0"/>
+              <a:t> </a:t>
+            </a:r>
+            <a:r>
+              <a:rPr lang="es-CO" sz="2000" dirty="0" err="1"/>
+              <a:t>production</a:t>
+            </a:r>
+            <a:r>
+              <a:rPr lang="es-CO" sz="2000" dirty="0"/>
+              <a:t> </a:t>
+            </a:r>
+            <a:r>
+              <a:rPr lang="es-CO" sz="2000" dirty="0" err="1"/>
+              <a:t>application</a:t>
+            </a:r>
+            <a:r>
+              <a:rPr lang="es-CO" sz="2000" dirty="0"/>
+              <a:t> </a:t>
+            </a:r>
+            <a:r>
+              <a:rPr lang="es-CO" sz="2000" dirty="0" err="1"/>
+              <a:t>working</a:t>
+            </a:r>
+            <a:endParaRPr lang="es-CO" sz="2000" dirty="0"/>
+          </a:p>
+          <a:p>
+            <a:endParaRPr lang="es-CO" dirty="0"/>
+          </a:p>
+        </p:txBody>
+      </p:sp>
+      <p:sp>
+        <p:nvSpPr>
+          <p:cNvPr id="15" name="TextBox 14">
+            <a:extLst>
+              <a:ext uri="{FF2B5EF4-FFF2-40B4-BE49-F238E27FC236}">
+                <a16:creationId xmlns:a16="http://schemas.microsoft.com/office/drawing/2014/main" id="{F44A2E31-DC11-4261-83FE-65490F2E09A8}"/>
+              </a:ext>
+            </a:extLst>
+          </p:cNvPr>
+          <p:cNvSpPr txBox="1"/>
+          <p:nvPr/>
+        </p:nvSpPr>
+        <p:spPr>
+          <a:xfrm>
+            <a:off x="8358806" y="2533402"/>
+            <a:ext cx="3613618" cy="707886"/>
+          </a:xfrm>
+          <a:prstGeom prst="rect">
+            <a:avLst/>
+          </a:prstGeom>
+          <a:noFill/>
+        </p:spPr>
+        <p:txBody>
+          <a:bodyPr wrap="none" rtlCol="0">
+            <a:spAutoFit/>
+          </a:bodyPr>
+          <a:lstStyle/>
+          <a:p>
+            <a:r>
+              <a:rPr lang="es-CO" sz="4000" dirty="0" err="1"/>
+              <a:t>Protect</a:t>
+            </a:r>
+            <a:r>
+              <a:rPr lang="es-CO" sz="4000" dirty="0"/>
+              <a:t> </a:t>
+            </a:r>
+            <a:r>
+              <a:rPr lang="es-CO" sz="4000" dirty="0" err="1"/>
+              <a:t>Revenue</a:t>
+            </a:r>
+            <a:endParaRPr lang="en-GB" sz="4000" dirty="0"/>
+          </a:p>
+        </p:txBody>
+      </p:sp>
+      <p:sp>
+        <p:nvSpPr>
+          <p:cNvPr id="17" name="TextBox 16">
+            <a:extLst>
+              <a:ext uri="{FF2B5EF4-FFF2-40B4-BE49-F238E27FC236}">
+                <a16:creationId xmlns:a16="http://schemas.microsoft.com/office/drawing/2014/main" id="{8184C996-3F09-4B93-B634-B9A341B98C6D}"/>
+              </a:ext>
+            </a:extLst>
+          </p:cNvPr>
+          <p:cNvSpPr txBox="1"/>
+          <p:nvPr/>
+        </p:nvSpPr>
+        <p:spPr>
+          <a:xfrm>
+            <a:off x="4287985" y="2555297"/>
+            <a:ext cx="3841886" cy="707886"/>
+          </a:xfrm>
+          <a:prstGeom prst="rect">
+            <a:avLst/>
+          </a:prstGeom>
+          <a:noFill/>
+        </p:spPr>
+        <p:txBody>
+          <a:bodyPr wrap="none" rtlCol="0">
+            <a:spAutoFit/>
+          </a:bodyPr>
+          <a:lstStyle/>
+          <a:p>
+            <a:r>
+              <a:rPr lang="es-CO" sz="4000" dirty="0" err="1"/>
+              <a:t>Increase</a:t>
+            </a:r>
+            <a:r>
+              <a:rPr lang="es-CO" sz="4000" dirty="0"/>
+              <a:t> </a:t>
+            </a:r>
+            <a:r>
+              <a:rPr lang="es-CO" sz="4000" dirty="0" err="1"/>
+              <a:t>Revenue</a:t>
+            </a:r>
+            <a:endParaRPr lang="en-GB" sz="4000" dirty="0"/>
+          </a:p>
+        </p:txBody>
+      </p:sp>
+      <p:pic>
+        <p:nvPicPr>
+          <p:cNvPr id="5" name="Graphic 4">
+            <a:extLst>
+              <a:ext uri="{FF2B5EF4-FFF2-40B4-BE49-F238E27FC236}">
+                <a16:creationId xmlns:a16="http://schemas.microsoft.com/office/drawing/2014/main" id="{99F287DF-08B6-480E-AB8F-DE95EBC4981F}"/>
+              </a:ext>
+            </a:extLst>
+          </p:cNvPr>
+          <p:cNvPicPr>
+            <a:picLocks noChangeAspect="1"/>
+          </p:cNvPicPr>
+          <p:nvPr/>
+        </p:nvPicPr>
+        <p:blipFill>
+          <a:blip r:embed="rId2">
+            <a:extLst>
+              <a:ext uri="{28A0092B-C50C-407E-A947-70E740481C1C}">
+                <a14:useLocalDpi xmlns:a14="http://schemas.microsoft.com/office/drawing/2010/main" val="0"/>
+              </a:ext>
+              <a:ext uri="{96DAC541-7B7A-43D3-8B79-37D633B846F1}">
+                <asvg:svgBlip xmlns:asvg="http://schemas.microsoft.com/office/drawing/2016/SVG/main" r:embed="rId3"/>
+              </a:ext>
+            </a:extLst>
+          </a:blip>
+          <a:stretch>
+            <a:fillRect/>
+          </a:stretch>
+        </p:blipFill>
+        <p:spPr>
+          <a:xfrm>
+            <a:off x="9304059" y="770401"/>
+            <a:ext cx="1571639" cy="1571639"/>
+          </a:xfrm>
+          <a:prstGeom prst="rect">
+            <a:avLst/>
+          </a:prstGeom>
+        </p:spPr>
+      </p:pic>
+      <p:pic>
+        <p:nvPicPr>
+          <p:cNvPr id="7" name="Graphic 6">
+            <a:extLst>
+              <a:ext uri="{FF2B5EF4-FFF2-40B4-BE49-F238E27FC236}">
+                <a16:creationId xmlns:a16="http://schemas.microsoft.com/office/drawing/2014/main" id="{BCD7ED5C-5AAE-4A08-9497-2C0FBF48968E}"/>
+              </a:ext>
+            </a:extLst>
+          </p:cNvPr>
+          <p:cNvPicPr>
+            <a:picLocks noChangeAspect="1"/>
+          </p:cNvPicPr>
+          <p:nvPr/>
+        </p:nvPicPr>
+        <p:blipFill>
+          <a:blip r:embed="rId4">
+            <a:extLst>
+              <a:ext uri="{28A0092B-C50C-407E-A947-70E740481C1C}">
+                <a14:useLocalDpi xmlns:a14="http://schemas.microsoft.com/office/drawing/2010/main" val="0"/>
+              </a:ext>
+              <a:ext uri="{96DAC541-7B7A-43D3-8B79-37D633B846F1}">
+                <asvg:svgBlip xmlns:asvg="http://schemas.microsoft.com/office/drawing/2016/SVG/main" r:embed="rId5"/>
+              </a:ext>
+            </a:extLst>
+          </a:blip>
+          <a:stretch>
+            <a:fillRect/>
+          </a:stretch>
+        </p:blipFill>
+        <p:spPr>
+          <a:xfrm>
+            <a:off x="5326025" y="579039"/>
+            <a:ext cx="1763001" cy="1763001"/>
+          </a:xfrm>
+          <a:prstGeom prst="rect">
+            <a:avLst/>
+          </a:prstGeom>
+        </p:spPr>
+      </p:pic>
+    </p:spTree>
+    <p:extLst>
+      <p:ext uri="{BB962C8B-B14F-4D97-AF65-F5344CB8AC3E}">
+        <p14:creationId xmlns:p14="http://schemas.microsoft.com/office/powerpoint/2010/main" val="4154512145"/>
+      </p:ext>
+    </p:extLst>
+  </p:cSld>
+  <p:clrMapOvr>
+    <a:masterClrMapping/>
+  </p:clrMapOvr>
+</p:sld>
+</file>
+
+<file path=ppt/slides/slide5.xml><?xml version="1.0" encoding="utf-8"?>
+<p:sld xmlns:a="http://schemas.openxmlformats.org/drawingml/2006/main" xmlns:r="http://schemas.openxmlformats.org/officeDocument/2006/relationships" xmlns:p="http://schemas.openxmlformats.org/presentationml/2006/main">
+  <p:cSld>
+    <p:bg>
+      <p:bgPr>
+        <a:solidFill>
+          <a:schemeClr val="bg1"/>
+        </a:solidFill>
+        <a:effectLst/>
+      </p:bgPr>
+    </p:bg>
+    <p:spTree>
+      <p:nvGrpSpPr>
+        <p:cNvPr id="1" name=""/>
+        <p:cNvGrpSpPr/>
+        <p:nvPr/>
+      </p:nvGrpSpPr>
+      <p:grpSpPr>
+        <a:xfrm>
+          <a:off x="0" y="0"/>
+          <a:ext cx="0" cy="0"/>
+          <a:chOff x="0" y="0"/>
+          <a:chExt cx="0" cy="0"/>
+        </a:xfrm>
+      </p:grpSpPr>
+      <p:sp useBgFill="1">
+        <p:nvSpPr>
+          <p:cNvPr id="9" name="Rectangle 8">
+            <a:extLst>
+              <a:ext uri="{FF2B5EF4-FFF2-40B4-BE49-F238E27FC236}">
+                <a16:creationId xmlns:a16="http://schemas.microsoft.com/office/drawing/2014/main" id="{AFF8D2E5-2C4E-47B1-930B-6C82B7C31331}"/>
+              </a:ext>
+              <a:ext uri="{C183D7F6-B498-43B3-948B-1728B52AA6E4}">
+                <adec:decorative xmlns:adec="http://schemas.microsoft.com/office/drawing/2017/decorative" val="1"/>
+              </a:ext>
+            </a:extLst>
+          </p:cNvPr>
+          <p:cNvSpPr>
+            <a:spLocks noGrp="1" noRot="1" noChangeAspect="1" noMove="1" noResize="1" noEditPoints="1" noAdjustHandles="1" noChangeArrowheads="1" noChangeShapeType="1" noTextEdit="1"/>
+          </p:cNvSpPr>
+          <p:nvPr>
+            <p:extLst>
+              <p:ext uri="{386F3935-93C4-4BCD-93E2-E3B085C9AB24}">
+                <p16:designElem xmlns:p16="http://schemas.microsoft.com/office/powerpoint/2015/main" val="1"/>
+              </p:ext>
+            </p:extLst>
+          </p:nvPr>
+        </p:nvSpPr>
+        <p:spPr>
+          <a:xfrm>
+            <a:off x="0" y="0"/>
+            <a:ext cx="12192000" cy="6858000"/>
+          </a:xfrm>
+          <a:prstGeom prst="rect">
+            <a:avLst/>
+          </a:prstGeom>
+          <a:ln>
+            <a:noFill/>
+          </a:ln>
+        </p:spPr>
+        <p:style>
+          <a:lnRef idx="2">
+            <a:schemeClr val="accent1">
+              <a:shade val="50000"/>
+            </a:schemeClr>
+          </a:lnRef>
+          <a:fillRef idx="1">
+            <a:schemeClr val="accent1"/>
+          </a:fillRef>
+          <a:effectRef idx="0">
+            <a:schemeClr val="accent1"/>
+          </a:effectRef>
+          <a:fontRef idx="minor">
+            <a:schemeClr val="lt1"/>
+          </a:fontRef>
+        </p:style>
+        <p:txBody>
+          <a:bodyPr rtlCol="0" anchor="ctr"/>
+          <a:lstStyle/>
+          <a:p>
+            <a:pPr algn="ctr"/>
+            <a:endParaRPr lang="en-US"/>
+          </a:p>
+        </p:txBody>
+      </p:sp>
+      <p:sp>
+        <p:nvSpPr>
+          <p:cNvPr id="2" name="Title 1">
+            <a:extLst>
+              <a:ext uri="{FF2B5EF4-FFF2-40B4-BE49-F238E27FC236}">
+                <a16:creationId xmlns:a16="http://schemas.microsoft.com/office/drawing/2014/main" id="{907EFE70-309E-40CA-8909-5151C65EFC1D}"/>
+              </a:ext>
+            </a:extLst>
+          </p:cNvPr>
+          <p:cNvSpPr>
+            <a:spLocks noGrp="1"/>
+          </p:cNvSpPr>
+          <p:nvPr>
+            <p:ph type="title"/>
+          </p:nvPr>
+        </p:nvSpPr>
+        <p:spPr>
+          <a:xfrm>
+            <a:off x="841248" y="251312"/>
+            <a:ext cx="10506456" cy="1010264"/>
+          </a:xfrm>
+        </p:spPr>
+        <p:txBody>
+          <a:bodyPr anchor="ctr">
+            <a:normAutofit/>
+          </a:bodyPr>
+          <a:lstStyle/>
+          <a:p>
+            <a:r>
+              <a:rPr lang="es-CO" dirty="0" err="1"/>
+              <a:t>Conclusion</a:t>
+            </a:r>
+            <a:endParaRPr lang="en-GB" dirty="0"/>
+          </a:p>
+        </p:txBody>
+      </p:sp>
+      <p:sp>
+        <p:nvSpPr>
+          <p:cNvPr id="11" name="Rectangle 10">
+            <a:extLst>
+              <a:ext uri="{FF2B5EF4-FFF2-40B4-BE49-F238E27FC236}">
+                <a16:creationId xmlns:a16="http://schemas.microsoft.com/office/drawing/2014/main" id="{801E4ADA-0EA9-4930-846E-3C11E8BED6DD}"/>
+              </a:ext>
+              <a:ext uri="{C183D7F6-B498-43B3-948B-1728B52AA6E4}">
+                <adec:decorative xmlns:adec="http://schemas.microsoft.com/office/drawing/2017/decorative" val="1"/>
+              </a:ext>
+            </a:extLst>
+          </p:cNvPr>
+          <p:cNvSpPr>
+            <a:spLocks noGrp="1" noRot="1" noChangeAspect="1" noMove="1" noResize="1" noEditPoints="1" noAdjustHandles="1" noChangeArrowheads="1" noChangeShapeType="1" noTextEdit="1"/>
+          </p:cNvSpPr>
+          <p:nvPr>
+            <p:extLst>
+              <p:ext uri="{386F3935-93C4-4BCD-93E2-E3B085C9AB24}">
+                <p16:designElem xmlns:p16="http://schemas.microsoft.com/office/powerpoint/2015/main" val="1"/>
+              </p:ext>
+            </p:extLst>
+          </p:nvPr>
+        </p:nvSpPr>
+        <p:spPr>
+          <a:xfrm>
+            <a:off x="0" y="417618"/>
+            <a:ext cx="128016" cy="631415"/>
+          </a:xfrm>
+          <a:prstGeom prst="rect">
+            <a:avLst/>
+          </a:prstGeom>
+          <a:solidFill>
+            <a:schemeClr val="accent2"/>
+          </a:solidFill>
+          <a:ln>
+            <a:noFill/>
+          </a:ln>
+        </p:spPr>
+        <p:style>
+          <a:lnRef idx="2">
+            <a:schemeClr val="accent1">
+              <a:shade val="50000"/>
+            </a:schemeClr>
+          </a:lnRef>
+          <a:fillRef idx="1">
+            <a:schemeClr val="accent1"/>
+          </a:fillRef>
+          <a:effectRef idx="0">
+            <a:schemeClr val="accent1"/>
+          </a:effectRef>
+          <a:fontRef idx="minor">
+            <a:schemeClr val="lt1"/>
+          </a:fontRef>
+        </p:style>
+        <p:txBody>
+          <a:bodyPr rtlCol="0" anchor="ctr"/>
+          <a:lstStyle/>
+          <a:p>
+            <a:pPr marL="0" marR="0" lvl="0" indent="0" algn="ctr" defTabSz="914400" rtl="0" eaLnBrk="1" fontAlgn="auto" latinLnBrk="0" hangingPunct="1">
+              <a:lnSpc>
+                <a:spcPct val="100000"/>
+              </a:lnSpc>
+              <a:spcBef>
+                <a:spcPts val="0"/>
+              </a:spcBef>
+              <a:spcAft>
+                <a:spcPts val="0"/>
+              </a:spcAft>
+              <a:buClrTx/>
+              <a:buSzTx/>
+              <a:buFontTx/>
+              <a:buNone/>
+              <a:tabLst/>
+              <a:defRPr/>
+            </a:pPr>
+            <a:endParaRPr kumimoji="0" lang="en-US" sz="1800" b="0" i="0" u="none" strike="noStrike" kern="1200" cap="none" spc="0" normalizeH="0" baseline="0" noProof="0">
+              <a:ln>
+                <a:noFill/>
+              </a:ln>
+              <a:solidFill>
+                <a:prstClr val="white"/>
+              </a:solidFill>
+              <a:effectLst/>
+              <a:uLnTx/>
+              <a:uFillTx/>
+              <a:latin typeface="Calibri" panose="020F0502020204030204"/>
+              <a:ea typeface="+mn-ea"/>
+              <a:cs typeface="+mn-cs"/>
+            </a:endParaRPr>
+          </a:p>
+        </p:txBody>
+      </p:sp>
+      <p:sp>
+        <p:nvSpPr>
+          <p:cNvPr id="13" name="Rectangle 12">
+            <a:extLst>
+              <a:ext uri="{FF2B5EF4-FFF2-40B4-BE49-F238E27FC236}">
+                <a16:creationId xmlns:a16="http://schemas.microsoft.com/office/drawing/2014/main" id="{FB92FFCE-0C90-454E-AA25-D4EE9A6C39C5}"/>
+              </a:ext>
+              <a:ext uri="{C183D7F6-B498-43B3-948B-1728B52AA6E4}">
+                <adec:decorative xmlns:adec="http://schemas.microsoft.com/office/drawing/2017/decorative" val="1"/>
+              </a:ext>
+            </a:extLst>
+          </p:cNvPr>
+          <p:cNvSpPr>
+            <a:spLocks noGrp="1" noRot="1" noChangeAspect="1" noMove="1" noResize="1" noEditPoints="1" noAdjustHandles="1" noChangeArrowheads="1" noChangeShapeType="1" noTextEdit="1"/>
+          </p:cNvSpPr>
+          <p:nvPr>
+            <p:extLst>
+              <p:ext uri="{386F3935-93C4-4BCD-93E2-E3B085C9AB24}">
+                <p16:designElem xmlns:p16="http://schemas.microsoft.com/office/powerpoint/2015/main" val="1"/>
+              </p:ext>
+            </p:extLst>
+          </p:nvPr>
+        </p:nvSpPr>
+        <p:spPr>
+          <a:xfrm>
+            <a:off x="841248" y="1380864"/>
+            <a:ext cx="10506456" cy="18288"/>
+          </a:xfrm>
+          <a:prstGeom prst="rect">
+            <a:avLst/>
+          </a:prstGeom>
+          <a:solidFill>
+            <a:srgbClr val="D5D5D5"/>
+          </a:solidFill>
+          <a:ln w="3175">
+            <a:noFill/>
+          </a:ln>
+          <a:effectLst/>
+        </p:spPr>
+        <p:style>
+          <a:lnRef idx="2">
+            <a:schemeClr val="accent1">
+              <a:shade val="50000"/>
+            </a:schemeClr>
+          </a:lnRef>
+          <a:fillRef idx="1">
+            <a:schemeClr val="accent1"/>
+          </a:fillRef>
+          <a:effectRef idx="0">
+            <a:schemeClr val="accent1"/>
+          </a:effectRef>
+          <a:fontRef idx="minor">
+            <a:schemeClr val="lt1"/>
+          </a:fontRef>
+        </p:style>
+        <p:txBody>
+          <a:bodyPr rtlCol="0" anchor="ctr"/>
+          <a:lstStyle/>
+          <a:p>
+            <a:pPr algn="ctr"/>
+            <a:endParaRPr lang="en-US">
+              <a:solidFill>
+                <a:prstClr val="white"/>
+              </a:solidFill>
+              <a:latin typeface="Calibri" panose="020F0502020204030204"/>
+            </a:endParaRPr>
+          </a:p>
+        </p:txBody>
+      </p:sp>
+      <p:graphicFrame>
+        <p:nvGraphicFramePr>
+          <p:cNvPr id="5" name="Content Placeholder 2">
+            <a:extLst>
+              <a:ext uri="{FF2B5EF4-FFF2-40B4-BE49-F238E27FC236}">
+                <a16:creationId xmlns:a16="http://schemas.microsoft.com/office/drawing/2014/main" id="{A739B612-5E64-4825-BE36-798C31D45B3B}"/>
+              </a:ext>
+            </a:extLst>
+          </p:cNvPr>
+          <p:cNvGraphicFramePr>
+            <a:graphicFrameLocks noGrp="1"/>
+          </p:cNvGraphicFramePr>
+          <p:nvPr>
+            <p:ph idx="1"/>
+            <p:extLst>
+              <p:ext uri="{D42A27DB-BD31-4B8C-83A1-F6EECF244321}">
+                <p14:modId xmlns:p14="http://schemas.microsoft.com/office/powerpoint/2010/main" val="3742939422"/>
+              </p:ext>
+            </p:extLst>
+          </p:nvPr>
+        </p:nvGraphicFramePr>
+        <p:xfrm>
+          <a:off x="838200" y="1650222"/>
+          <a:ext cx="10506456" cy="4584946"/>
+        </p:xfrm>
+        <a:graphic>
+          <a:graphicData uri="http://schemas.openxmlformats.org/drawingml/2006/diagram">
+            <dgm:relIds xmlns:dgm="http://schemas.openxmlformats.org/drawingml/2006/diagram" xmlns:r="http://schemas.openxmlformats.org/officeDocument/2006/relationships" r:dm="rId2" r:lo="rId3" r:qs="rId4" r:cs="rId5"/>
+          </a:graphicData>
+        </a:graphic>
+      </p:graphicFrame>
+    </p:spTree>
+    <p:extLst>
+      <p:ext uri="{BB962C8B-B14F-4D97-AF65-F5344CB8AC3E}">
+        <p14:creationId xmlns:p14="http://schemas.microsoft.com/office/powerpoint/2010/main" val="2528636011"/>
       </p:ext>
     </p:extLst>
   </p:cSld>
